--- a/tex/figures/MagneticForce/Figures.pptx
+++ b/tex/figures/MagneticForce/Figures.pptx
@@ -200,7 +200,7 @@
           <a:p>
             <a:fld id="{FA15A6B2-55AC-CD4B-A1E6-BB01091FE9DC}" type="datetimeFigureOut">
               <a:rPr lang="en-US" smtClean="0"/>
-              <a:t>7/18/2019</a:t>
+              <a:t>7/22/2019</a:t>
             </a:fld>
             <a:endParaRPr lang="en-US"/>
           </a:p>
@@ -599,7 +599,7 @@
           <a:p>
             <a:fld id="{F7249F8D-641B-4CAF-BAE5-10524742F6F1}" type="datetimeFigureOut">
               <a:rPr lang="en-CA" smtClean="0"/>
-              <a:t>2019-07-18</a:t>
+              <a:t>2019-07-22</a:t>
             </a:fld>
             <a:endParaRPr lang="en-CA"/>
           </a:p>
@@ -769,7 +769,7 @@
           <a:p>
             <a:fld id="{F7249F8D-641B-4CAF-BAE5-10524742F6F1}" type="datetimeFigureOut">
               <a:rPr lang="en-CA" smtClean="0"/>
-              <a:t>2019-07-18</a:t>
+              <a:t>2019-07-22</a:t>
             </a:fld>
             <a:endParaRPr lang="en-CA"/>
           </a:p>
@@ -949,7 +949,7 @@
           <a:p>
             <a:fld id="{F7249F8D-641B-4CAF-BAE5-10524742F6F1}" type="datetimeFigureOut">
               <a:rPr lang="en-CA" smtClean="0"/>
-              <a:t>2019-07-18</a:t>
+              <a:t>2019-07-22</a:t>
             </a:fld>
             <a:endParaRPr lang="en-CA"/>
           </a:p>
@@ -1119,7 +1119,7 @@
           <a:p>
             <a:fld id="{F7249F8D-641B-4CAF-BAE5-10524742F6F1}" type="datetimeFigureOut">
               <a:rPr lang="en-CA" smtClean="0"/>
-              <a:t>2019-07-18</a:t>
+              <a:t>2019-07-22</a:t>
             </a:fld>
             <a:endParaRPr lang="en-CA"/>
           </a:p>
@@ -1365,7 +1365,7 @@
           <a:p>
             <a:fld id="{F7249F8D-641B-4CAF-BAE5-10524742F6F1}" type="datetimeFigureOut">
               <a:rPr lang="en-CA" smtClean="0"/>
-              <a:t>2019-07-18</a:t>
+              <a:t>2019-07-22</a:t>
             </a:fld>
             <a:endParaRPr lang="en-CA"/>
           </a:p>
@@ -1597,7 +1597,7 @@
           <a:p>
             <a:fld id="{F7249F8D-641B-4CAF-BAE5-10524742F6F1}" type="datetimeFigureOut">
               <a:rPr lang="en-CA" smtClean="0"/>
-              <a:t>2019-07-18</a:t>
+              <a:t>2019-07-22</a:t>
             </a:fld>
             <a:endParaRPr lang="en-CA"/>
           </a:p>
@@ -1964,7 +1964,7 @@
           <a:p>
             <a:fld id="{F7249F8D-641B-4CAF-BAE5-10524742F6F1}" type="datetimeFigureOut">
               <a:rPr lang="en-CA" smtClean="0"/>
-              <a:t>2019-07-18</a:t>
+              <a:t>2019-07-22</a:t>
             </a:fld>
             <a:endParaRPr lang="en-CA"/>
           </a:p>
@@ -2082,7 +2082,7 @@
           <a:p>
             <a:fld id="{F7249F8D-641B-4CAF-BAE5-10524742F6F1}" type="datetimeFigureOut">
               <a:rPr lang="en-CA" smtClean="0"/>
-              <a:t>2019-07-18</a:t>
+              <a:t>2019-07-22</a:t>
             </a:fld>
             <a:endParaRPr lang="en-CA"/>
           </a:p>
@@ -2177,7 +2177,7 @@
           <a:p>
             <a:fld id="{F7249F8D-641B-4CAF-BAE5-10524742F6F1}" type="datetimeFigureOut">
               <a:rPr lang="en-CA" smtClean="0"/>
-              <a:t>2019-07-18</a:t>
+              <a:t>2019-07-22</a:t>
             </a:fld>
             <a:endParaRPr lang="en-CA"/>
           </a:p>
@@ -2454,7 +2454,7 @@
           <a:p>
             <a:fld id="{F7249F8D-641B-4CAF-BAE5-10524742F6F1}" type="datetimeFigureOut">
               <a:rPr lang="en-CA" smtClean="0"/>
-              <a:t>2019-07-18</a:t>
+              <a:t>2019-07-22</a:t>
             </a:fld>
             <a:endParaRPr lang="en-CA"/>
           </a:p>
@@ -2707,7 +2707,7 @@
           <a:p>
             <a:fld id="{F7249F8D-641B-4CAF-BAE5-10524742F6F1}" type="datetimeFigureOut">
               <a:rPr lang="en-CA" smtClean="0"/>
-              <a:t>2019-07-18</a:t>
+              <a:t>2019-07-22</a:t>
             </a:fld>
             <a:endParaRPr lang="en-CA"/>
           </a:p>
@@ -2920,7 +2920,7 @@
           <a:p>
             <a:fld id="{F7249F8D-641B-4CAF-BAE5-10524742F6F1}" type="datetimeFigureOut">
               <a:rPr lang="en-CA" smtClean="0"/>
-              <a:t>2019-07-18</a:t>
+              <a:t>2019-07-22</a:t>
             </a:fld>
             <a:endParaRPr lang="en-CA"/>
           </a:p>
@@ -7138,6 +7138,4262 @@
           <a:chExt cx="0" cy="0"/>
         </a:xfrm>
       </p:grpSpPr>
+      <p:grpSp>
+        <p:nvGrpSpPr>
+          <p:cNvPr id="41" name="Group 40"/>
+          <p:cNvGrpSpPr/>
+          <p:nvPr/>
+        </p:nvGrpSpPr>
+        <p:grpSpPr>
+          <a:xfrm>
+            <a:off x="592126" y="424542"/>
+            <a:ext cx="3232250" cy="1598688"/>
+            <a:chOff x="2560502" y="1230085"/>
+            <a:chExt cx="3232250" cy="1598688"/>
+          </a:xfrm>
+        </p:grpSpPr>
+        <p:sp>
+          <p:nvSpPr>
+            <p:cNvPr id="2" name="Rectangle 1"/>
+            <p:cNvSpPr/>
+            <p:nvPr/>
+          </p:nvSpPr>
+          <p:spPr>
+            <a:xfrm>
+              <a:off x="2764972" y="1230085"/>
+              <a:ext cx="2743200" cy="500743"/>
+            </a:xfrm>
+            <a:prstGeom prst="rect">
+              <a:avLst/>
+            </a:prstGeom>
+            <a:noFill/>
+            <a:ln w="38100">
+              <a:solidFill>
+                <a:schemeClr val="tx1"/>
+              </a:solidFill>
+            </a:ln>
+          </p:spPr>
+          <p:style>
+            <a:lnRef idx="2">
+              <a:schemeClr val="accent1">
+                <a:shade val="50000"/>
+              </a:schemeClr>
+            </a:lnRef>
+            <a:fillRef idx="1">
+              <a:schemeClr val="accent1"/>
+            </a:fillRef>
+            <a:effectRef idx="0">
+              <a:schemeClr val="accent1"/>
+            </a:effectRef>
+            <a:fontRef idx="minor">
+              <a:schemeClr val="lt1"/>
+            </a:fontRef>
+          </p:style>
+          <p:txBody>
+            <a:bodyPr rtlCol="0" anchor="ctr"/>
+            <a:lstStyle/>
+            <a:p>
+              <a:pPr algn="ctr"/>
+              <a:endParaRPr lang="en-US" dirty="0"/>
+            </a:p>
+          </p:txBody>
+        </p:sp>
+        <mc:AlternateContent xmlns:mc="http://schemas.openxmlformats.org/markup-compatibility/2006">
+          <mc:Choice xmlns:a14="http://schemas.microsoft.com/office/drawing/2010/main" Requires="a14">
+            <p:sp>
+              <p:nvSpPr>
+                <p:cNvPr id="3" name="TextBox 2"/>
+                <p:cNvSpPr txBox="1"/>
+                <p:nvPr/>
+              </p:nvSpPr>
+              <p:spPr>
+                <a:xfrm>
+                  <a:off x="2764972" y="1326567"/>
+                  <a:ext cx="394995" cy="307777"/>
+                </a:xfrm>
+                <a:prstGeom prst="rect">
+                  <a:avLst/>
+                </a:prstGeom>
+                <a:noFill/>
+              </p:spPr>
+              <p:txBody>
+                <a:bodyPr wrap="square" lIns="0" tIns="0" rIns="0" bIns="0" rtlCol="0">
+                  <a:spAutoFit/>
+                </a:bodyPr>
+                <a:lstStyle/>
+                <a:p>
+                  <a14:m>
+                    <m:oMathPara xmlns:m="http://schemas.openxmlformats.org/officeDocument/2006/math">
+                      <m:oMathParaPr>
+                        <m:jc m:val="centerGroup"/>
+                      </m:oMathParaPr>
+                      <m:oMath xmlns:m="http://schemas.openxmlformats.org/officeDocument/2006/math">
+                        <m:r>
+                          <a:rPr lang="en-US" sz="2000" b="0" i="1" smtClean="0">
+                            <a:latin typeface="Cambria Math" panose="02040503050406030204" pitchFamily="18" charset="0"/>
+                            <a:cs typeface="Arial" panose="020B0604020202020204" pitchFamily="34" charset="0"/>
+                          </a:rPr>
+                          <m:t>𝑁</m:t>
+                        </m:r>
+                      </m:oMath>
+                    </m:oMathPara>
+                  </a14:m>
+                  <a:endParaRPr lang="en-US" sz="2000" dirty="0" smtClean="0">
+                    <a:latin typeface="Arial" panose="020B0604020202020204" pitchFamily="34" charset="0"/>
+                    <a:cs typeface="Arial" panose="020B0604020202020204" pitchFamily="34" charset="0"/>
+                  </a:endParaRPr>
+                </a:p>
+              </p:txBody>
+            </p:sp>
+          </mc:Choice>
+          <mc:Fallback>
+            <p:sp>
+              <p:nvSpPr>
+                <p:cNvPr id="3" name="TextBox 2"/>
+                <p:cNvSpPr txBox="1">
+                  <a:spLocks noRot="1" noChangeAspect="1" noMove="1" noResize="1" noEditPoints="1" noAdjustHandles="1" noChangeArrowheads="1" noChangeShapeType="1" noTextEdit="1"/>
+                </p:cNvSpPr>
+                <p:nvPr/>
+              </p:nvSpPr>
+              <p:spPr>
+                <a:xfrm>
+                  <a:off x="2764972" y="1326567"/>
+                  <a:ext cx="394995" cy="307777"/>
+                </a:xfrm>
+                <a:prstGeom prst="rect">
+                  <a:avLst/>
+                </a:prstGeom>
+                <a:blipFill>
+                  <a:blip r:embed="rId2"/>
+                  <a:stretch>
+                    <a:fillRect b="-9804"/>
+                  </a:stretch>
+                </a:blipFill>
+              </p:spPr>
+              <p:txBody>
+                <a:bodyPr/>
+                <a:lstStyle/>
+                <a:p>
+                  <a:r>
+                    <a:rPr lang="en-US">
+                      <a:noFill/>
+                    </a:rPr>
+                    <a:t> </a:t>
+                  </a:r>
+                </a:p>
+              </p:txBody>
+            </p:sp>
+          </mc:Fallback>
+        </mc:AlternateContent>
+        <mc:AlternateContent xmlns:mc="http://schemas.openxmlformats.org/markup-compatibility/2006">
+          <mc:Choice xmlns:a14="http://schemas.microsoft.com/office/drawing/2010/main" Requires="a14">
+            <p:sp>
+              <p:nvSpPr>
+                <p:cNvPr id="4" name="TextBox 3"/>
+                <p:cNvSpPr txBox="1"/>
+                <p:nvPr/>
+              </p:nvSpPr>
+              <p:spPr>
+                <a:xfrm>
+                  <a:off x="5040087" y="1326566"/>
+                  <a:ext cx="394995" cy="307777"/>
+                </a:xfrm>
+                <a:prstGeom prst="rect">
+                  <a:avLst/>
+                </a:prstGeom>
+                <a:noFill/>
+              </p:spPr>
+              <p:txBody>
+                <a:bodyPr wrap="square" lIns="0" tIns="0" rIns="0" bIns="0" rtlCol="0">
+                  <a:spAutoFit/>
+                </a:bodyPr>
+                <a:lstStyle/>
+                <a:p>
+                  <a14:m>
+                    <m:oMathPara xmlns:m="http://schemas.openxmlformats.org/officeDocument/2006/math">
+                      <m:oMathParaPr>
+                        <m:jc m:val="centerGroup"/>
+                      </m:oMathParaPr>
+                      <m:oMath xmlns:m="http://schemas.openxmlformats.org/officeDocument/2006/math">
+                        <m:r>
+                          <a:rPr lang="en-US" sz="2000" b="0" i="1" smtClean="0">
+                            <a:latin typeface="Cambria Math" panose="02040503050406030204" pitchFamily="18" charset="0"/>
+                            <a:cs typeface="Arial" panose="020B0604020202020204" pitchFamily="34" charset="0"/>
+                          </a:rPr>
+                          <m:t>𝑆</m:t>
+                        </m:r>
+                      </m:oMath>
+                    </m:oMathPara>
+                  </a14:m>
+                  <a:endParaRPr lang="en-US" sz="2000" dirty="0" smtClean="0">
+                    <a:latin typeface="Arial" panose="020B0604020202020204" pitchFamily="34" charset="0"/>
+                    <a:cs typeface="Arial" panose="020B0604020202020204" pitchFamily="34" charset="0"/>
+                  </a:endParaRPr>
+                </a:p>
+              </p:txBody>
+            </p:sp>
+          </mc:Choice>
+          <mc:Fallback>
+            <p:sp>
+              <p:nvSpPr>
+                <p:cNvPr id="4" name="TextBox 3"/>
+                <p:cNvSpPr txBox="1">
+                  <a:spLocks noRot="1" noChangeAspect="1" noMove="1" noResize="1" noEditPoints="1" noAdjustHandles="1" noChangeArrowheads="1" noChangeShapeType="1" noTextEdit="1"/>
+                </p:cNvSpPr>
+                <p:nvPr/>
+              </p:nvSpPr>
+              <p:spPr>
+                <a:xfrm>
+                  <a:off x="5040087" y="1326566"/>
+                  <a:ext cx="394995" cy="307777"/>
+                </a:xfrm>
+                <a:prstGeom prst="rect">
+                  <a:avLst/>
+                </a:prstGeom>
+                <a:blipFill>
+                  <a:blip r:embed="rId3"/>
+                  <a:stretch>
+                    <a:fillRect b="-9804"/>
+                  </a:stretch>
+                </a:blipFill>
+              </p:spPr>
+              <p:txBody>
+                <a:bodyPr/>
+                <a:lstStyle/>
+                <a:p>
+                  <a:r>
+                    <a:rPr lang="en-US">
+                      <a:noFill/>
+                    </a:rPr>
+                    <a:t> </a:t>
+                  </a:r>
+                </a:p>
+              </p:txBody>
+            </p:sp>
+          </mc:Fallback>
+        </mc:AlternateContent>
+        <p:grpSp>
+          <p:nvGrpSpPr>
+            <p:cNvPr id="27" name="Group 26"/>
+            <p:cNvGrpSpPr/>
+            <p:nvPr/>
+          </p:nvGrpSpPr>
+          <p:grpSpPr>
+            <a:xfrm>
+              <a:off x="4287422" y="1823456"/>
+              <a:ext cx="1273628" cy="500743"/>
+              <a:chOff x="4234544" y="1827309"/>
+              <a:chExt cx="1273628" cy="500743"/>
+            </a:xfrm>
+          </p:grpSpPr>
+          <p:sp>
+            <p:nvSpPr>
+              <p:cNvPr id="5" name="Rectangle 4"/>
+              <p:cNvSpPr/>
+              <p:nvPr/>
+            </p:nvSpPr>
+            <p:spPr>
+              <a:xfrm>
+                <a:off x="4234544" y="1827309"/>
+                <a:ext cx="1273628" cy="500743"/>
+              </a:xfrm>
+              <a:prstGeom prst="rect">
+                <a:avLst/>
+              </a:prstGeom>
+              <a:noFill/>
+              <a:ln w="38100">
+                <a:solidFill>
+                  <a:schemeClr val="tx1"/>
+                </a:solidFill>
+              </a:ln>
+            </p:spPr>
+            <p:style>
+              <a:lnRef idx="2">
+                <a:schemeClr val="accent1">
+                  <a:shade val="50000"/>
+                </a:schemeClr>
+              </a:lnRef>
+              <a:fillRef idx="1">
+                <a:schemeClr val="accent1"/>
+              </a:fillRef>
+              <a:effectRef idx="0">
+                <a:schemeClr val="accent1"/>
+              </a:effectRef>
+              <a:fontRef idx="minor">
+                <a:schemeClr val="lt1"/>
+              </a:fontRef>
+            </p:style>
+            <p:txBody>
+              <a:bodyPr rtlCol="0" anchor="ctr"/>
+              <a:lstStyle/>
+              <a:p>
+                <a:pPr algn="ctr"/>
+                <a:endParaRPr lang="en-US" dirty="0"/>
+              </a:p>
+            </p:txBody>
+          </p:sp>
+          <mc:AlternateContent xmlns:mc="http://schemas.openxmlformats.org/markup-compatibility/2006">
+            <mc:Choice xmlns:a14="http://schemas.microsoft.com/office/drawing/2010/main" Requires="a14">
+              <p:sp>
+                <p:nvSpPr>
+                  <p:cNvPr id="7" name="TextBox 6"/>
+                  <p:cNvSpPr txBox="1"/>
+                  <p:nvPr/>
+                </p:nvSpPr>
+                <p:spPr>
+                  <a:xfrm>
+                    <a:off x="5040088" y="1923790"/>
+                    <a:ext cx="394995" cy="307777"/>
+                  </a:xfrm>
+                  <a:prstGeom prst="rect">
+                    <a:avLst/>
+                  </a:prstGeom>
+                  <a:noFill/>
+                </p:spPr>
+                <p:txBody>
+                  <a:bodyPr wrap="square" lIns="0" tIns="0" rIns="0" bIns="0" rtlCol="0">
+                    <a:spAutoFit/>
+                  </a:bodyPr>
+                  <a:lstStyle/>
+                  <a:p>
+                    <a14:m>
+                      <m:oMathPara xmlns:m="http://schemas.openxmlformats.org/officeDocument/2006/math">
+                        <m:oMathParaPr>
+                          <m:jc m:val="centerGroup"/>
+                        </m:oMathParaPr>
+                        <m:oMath xmlns:m="http://schemas.openxmlformats.org/officeDocument/2006/math">
+                          <m:r>
+                            <a:rPr lang="en-US" sz="2000" b="0" i="1" smtClean="0">
+                              <a:latin typeface="Cambria Math" panose="02040503050406030204" pitchFamily="18" charset="0"/>
+                              <a:cs typeface="Arial" panose="020B0604020202020204" pitchFamily="34" charset="0"/>
+                            </a:rPr>
+                            <m:t>𝑆</m:t>
+                          </m:r>
+                        </m:oMath>
+                      </m:oMathPara>
+                    </a14:m>
+                    <a:endParaRPr lang="en-US" sz="2000" dirty="0" smtClean="0">
+                      <a:latin typeface="Arial" panose="020B0604020202020204" pitchFamily="34" charset="0"/>
+                      <a:cs typeface="Arial" panose="020B0604020202020204" pitchFamily="34" charset="0"/>
+                    </a:endParaRPr>
+                  </a:p>
+                </p:txBody>
+              </p:sp>
+            </mc:Choice>
+            <mc:Fallback>
+              <p:sp>
+                <p:nvSpPr>
+                  <p:cNvPr id="7" name="TextBox 6"/>
+                  <p:cNvSpPr txBox="1">
+                    <a:spLocks noRot="1" noChangeAspect="1" noMove="1" noResize="1" noEditPoints="1" noAdjustHandles="1" noChangeArrowheads="1" noChangeShapeType="1" noTextEdit="1"/>
+                  </p:cNvSpPr>
+                  <p:nvPr/>
+                </p:nvSpPr>
+                <p:spPr>
+                  <a:xfrm>
+                    <a:off x="5040088" y="1923790"/>
+                    <a:ext cx="394995" cy="307777"/>
+                  </a:xfrm>
+                  <a:prstGeom prst="rect">
+                    <a:avLst/>
+                  </a:prstGeom>
+                  <a:blipFill>
+                    <a:blip r:embed="rId4"/>
+                    <a:stretch>
+                      <a:fillRect b="-10000"/>
+                    </a:stretch>
+                  </a:blipFill>
+                </p:spPr>
+                <p:txBody>
+                  <a:bodyPr/>
+                  <a:lstStyle/>
+                  <a:p>
+                    <a:r>
+                      <a:rPr lang="en-US">
+                        <a:noFill/>
+                      </a:rPr>
+                      <a:t> </a:t>
+                    </a:r>
+                  </a:p>
+                </p:txBody>
+              </p:sp>
+            </mc:Fallback>
+          </mc:AlternateContent>
+          <mc:AlternateContent xmlns:mc="http://schemas.openxmlformats.org/markup-compatibility/2006">
+            <mc:Choice xmlns:a14="http://schemas.microsoft.com/office/drawing/2010/main" Requires="a14">
+              <p:sp>
+                <p:nvSpPr>
+                  <p:cNvPr id="9" name="TextBox 8"/>
+                  <p:cNvSpPr txBox="1"/>
+                  <p:nvPr/>
+                </p:nvSpPr>
+                <p:spPr>
+                  <a:xfrm>
+                    <a:off x="4234544" y="1923786"/>
+                    <a:ext cx="394995" cy="307777"/>
+                  </a:xfrm>
+                  <a:prstGeom prst="rect">
+                    <a:avLst/>
+                  </a:prstGeom>
+                  <a:noFill/>
+                </p:spPr>
+                <p:txBody>
+                  <a:bodyPr wrap="square" lIns="0" tIns="0" rIns="0" bIns="0" rtlCol="0">
+                    <a:spAutoFit/>
+                  </a:bodyPr>
+                  <a:lstStyle/>
+                  <a:p>
+                    <a14:m>
+                      <m:oMathPara xmlns:m="http://schemas.openxmlformats.org/officeDocument/2006/math">
+                        <m:oMathParaPr>
+                          <m:jc m:val="centerGroup"/>
+                        </m:oMathParaPr>
+                        <m:oMath xmlns:m="http://schemas.openxmlformats.org/officeDocument/2006/math">
+                          <m:r>
+                            <a:rPr lang="en-US" sz="2000" b="0" i="1" smtClean="0">
+                              <a:latin typeface="Cambria Math" panose="02040503050406030204" pitchFamily="18" charset="0"/>
+                              <a:cs typeface="Arial" panose="020B0604020202020204" pitchFamily="34" charset="0"/>
+                            </a:rPr>
+                            <m:t>𝑁</m:t>
+                          </m:r>
+                        </m:oMath>
+                      </m:oMathPara>
+                    </a14:m>
+                    <a:endParaRPr lang="en-US" sz="2000" dirty="0" smtClean="0">
+                      <a:latin typeface="Arial" panose="020B0604020202020204" pitchFamily="34" charset="0"/>
+                      <a:cs typeface="Arial" panose="020B0604020202020204" pitchFamily="34" charset="0"/>
+                    </a:endParaRPr>
+                  </a:p>
+                </p:txBody>
+              </p:sp>
+            </mc:Choice>
+            <mc:Fallback>
+              <p:sp>
+                <p:nvSpPr>
+                  <p:cNvPr id="9" name="TextBox 8"/>
+                  <p:cNvSpPr txBox="1">
+                    <a:spLocks noRot="1" noChangeAspect="1" noMove="1" noResize="1" noEditPoints="1" noAdjustHandles="1" noChangeArrowheads="1" noChangeShapeType="1" noTextEdit="1"/>
+                  </p:cNvSpPr>
+                  <p:nvPr/>
+                </p:nvSpPr>
+                <p:spPr>
+                  <a:xfrm>
+                    <a:off x="4234544" y="1923786"/>
+                    <a:ext cx="394995" cy="307777"/>
+                  </a:xfrm>
+                  <a:prstGeom prst="rect">
+                    <a:avLst/>
+                  </a:prstGeom>
+                  <a:blipFill>
+                    <a:blip r:embed="rId5"/>
+                    <a:stretch>
+                      <a:fillRect b="-10000"/>
+                    </a:stretch>
+                  </a:blipFill>
+                </p:spPr>
+                <p:txBody>
+                  <a:bodyPr/>
+                  <a:lstStyle/>
+                  <a:p>
+                    <a:r>
+                      <a:rPr lang="en-US">
+                        <a:noFill/>
+                      </a:rPr>
+                      <a:t> </a:t>
+                    </a:r>
+                  </a:p>
+                </p:txBody>
+              </p:sp>
+            </mc:Fallback>
+          </mc:AlternateContent>
+        </p:grpSp>
+        <p:grpSp>
+          <p:nvGrpSpPr>
+            <p:cNvPr id="28" name="Group 27"/>
+            <p:cNvGrpSpPr/>
+            <p:nvPr/>
+          </p:nvGrpSpPr>
+          <p:grpSpPr>
+            <a:xfrm>
+              <a:off x="2686463" y="1823456"/>
+              <a:ext cx="1393371" cy="500743"/>
+              <a:chOff x="2764972" y="1827308"/>
+              <a:chExt cx="1393371" cy="500743"/>
+            </a:xfrm>
+          </p:grpSpPr>
+          <p:sp>
+            <p:nvSpPr>
+              <p:cNvPr id="6" name="Rectangle 5"/>
+              <p:cNvSpPr/>
+              <p:nvPr/>
+            </p:nvSpPr>
+            <p:spPr>
+              <a:xfrm>
+                <a:off x="2764972" y="1827308"/>
+                <a:ext cx="1393371" cy="500743"/>
+              </a:xfrm>
+              <a:prstGeom prst="rect">
+                <a:avLst/>
+              </a:prstGeom>
+              <a:noFill/>
+              <a:ln w="38100">
+                <a:solidFill>
+                  <a:schemeClr val="tx1"/>
+                </a:solidFill>
+              </a:ln>
+            </p:spPr>
+            <p:style>
+              <a:lnRef idx="2">
+                <a:schemeClr val="accent1">
+                  <a:shade val="50000"/>
+                </a:schemeClr>
+              </a:lnRef>
+              <a:fillRef idx="1">
+                <a:schemeClr val="accent1"/>
+              </a:fillRef>
+              <a:effectRef idx="0">
+                <a:schemeClr val="accent1"/>
+              </a:effectRef>
+              <a:fontRef idx="minor">
+                <a:schemeClr val="lt1"/>
+              </a:fontRef>
+            </p:style>
+            <p:txBody>
+              <a:bodyPr rtlCol="0" anchor="ctr"/>
+              <a:lstStyle/>
+              <a:p>
+                <a:pPr algn="ctr"/>
+                <a:endParaRPr lang="en-US" dirty="0"/>
+              </a:p>
+            </p:txBody>
+          </p:sp>
+          <mc:AlternateContent xmlns:mc="http://schemas.openxmlformats.org/markup-compatibility/2006">
+            <mc:Choice xmlns:a14="http://schemas.microsoft.com/office/drawing/2010/main" Requires="a14">
+              <p:sp>
+                <p:nvSpPr>
+                  <p:cNvPr id="8" name="TextBox 7"/>
+                  <p:cNvSpPr txBox="1"/>
+                  <p:nvPr/>
+                </p:nvSpPr>
+                <p:spPr>
+                  <a:xfrm>
+                    <a:off x="2764972" y="1923789"/>
+                    <a:ext cx="394995" cy="307777"/>
+                  </a:xfrm>
+                  <a:prstGeom prst="rect">
+                    <a:avLst/>
+                  </a:prstGeom>
+                  <a:noFill/>
+                </p:spPr>
+                <p:txBody>
+                  <a:bodyPr wrap="square" lIns="0" tIns="0" rIns="0" bIns="0" rtlCol="0">
+                    <a:spAutoFit/>
+                  </a:bodyPr>
+                  <a:lstStyle/>
+                  <a:p>
+                    <a14:m>
+                      <m:oMathPara xmlns:m="http://schemas.openxmlformats.org/officeDocument/2006/math">
+                        <m:oMathParaPr>
+                          <m:jc m:val="centerGroup"/>
+                        </m:oMathParaPr>
+                        <m:oMath xmlns:m="http://schemas.openxmlformats.org/officeDocument/2006/math">
+                          <m:r>
+                            <a:rPr lang="en-US" sz="2000" b="0" i="1" smtClean="0">
+                              <a:latin typeface="Cambria Math" panose="02040503050406030204" pitchFamily="18" charset="0"/>
+                              <a:cs typeface="Arial" panose="020B0604020202020204" pitchFamily="34" charset="0"/>
+                            </a:rPr>
+                            <m:t>𝑁</m:t>
+                          </m:r>
+                        </m:oMath>
+                      </m:oMathPara>
+                    </a14:m>
+                    <a:endParaRPr lang="en-US" sz="2000" dirty="0" smtClean="0">
+                      <a:latin typeface="Arial" panose="020B0604020202020204" pitchFamily="34" charset="0"/>
+                      <a:cs typeface="Arial" panose="020B0604020202020204" pitchFamily="34" charset="0"/>
+                    </a:endParaRPr>
+                  </a:p>
+                </p:txBody>
+              </p:sp>
+            </mc:Choice>
+            <mc:Fallback>
+              <p:sp>
+                <p:nvSpPr>
+                  <p:cNvPr id="8" name="TextBox 7"/>
+                  <p:cNvSpPr txBox="1">
+                    <a:spLocks noRot="1" noChangeAspect="1" noMove="1" noResize="1" noEditPoints="1" noAdjustHandles="1" noChangeArrowheads="1" noChangeShapeType="1" noTextEdit="1"/>
+                  </p:cNvSpPr>
+                  <p:nvPr/>
+                </p:nvSpPr>
+                <p:spPr>
+                  <a:xfrm>
+                    <a:off x="2764972" y="1923789"/>
+                    <a:ext cx="394995" cy="307777"/>
+                  </a:xfrm>
+                  <a:prstGeom prst="rect">
+                    <a:avLst/>
+                  </a:prstGeom>
+                  <a:blipFill>
+                    <a:blip r:embed="rId6"/>
+                    <a:stretch>
+                      <a:fillRect b="-10000"/>
+                    </a:stretch>
+                  </a:blipFill>
+                </p:spPr>
+                <p:txBody>
+                  <a:bodyPr/>
+                  <a:lstStyle/>
+                  <a:p>
+                    <a:r>
+                      <a:rPr lang="en-US">
+                        <a:noFill/>
+                      </a:rPr>
+                      <a:t> </a:t>
+                    </a:r>
+                  </a:p>
+                </p:txBody>
+              </p:sp>
+            </mc:Fallback>
+          </mc:AlternateContent>
+          <mc:AlternateContent xmlns:mc="http://schemas.openxmlformats.org/markup-compatibility/2006">
+            <mc:Choice xmlns:a14="http://schemas.microsoft.com/office/drawing/2010/main" Requires="a14">
+              <p:sp>
+                <p:nvSpPr>
+                  <p:cNvPr id="10" name="TextBox 9"/>
+                  <p:cNvSpPr txBox="1"/>
+                  <p:nvPr/>
+                </p:nvSpPr>
+                <p:spPr>
+                  <a:xfrm>
+                    <a:off x="3741577" y="1923786"/>
+                    <a:ext cx="394995" cy="307777"/>
+                  </a:xfrm>
+                  <a:prstGeom prst="rect">
+                    <a:avLst/>
+                  </a:prstGeom>
+                  <a:noFill/>
+                </p:spPr>
+                <p:txBody>
+                  <a:bodyPr wrap="square" lIns="0" tIns="0" rIns="0" bIns="0" rtlCol="0">
+                    <a:spAutoFit/>
+                  </a:bodyPr>
+                  <a:lstStyle/>
+                  <a:p>
+                    <a14:m>
+                      <m:oMathPara xmlns:m="http://schemas.openxmlformats.org/officeDocument/2006/math">
+                        <m:oMathParaPr>
+                          <m:jc m:val="centerGroup"/>
+                        </m:oMathParaPr>
+                        <m:oMath xmlns:m="http://schemas.openxmlformats.org/officeDocument/2006/math">
+                          <m:r>
+                            <a:rPr lang="en-US" sz="2000" b="0" i="1" smtClean="0">
+                              <a:latin typeface="Cambria Math" panose="02040503050406030204" pitchFamily="18" charset="0"/>
+                              <a:cs typeface="Arial" panose="020B0604020202020204" pitchFamily="34" charset="0"/>
+                            </a:rPr>
+                            <m:t>𝑆</m:t>
+                          </m:r>
+                        </m:oMath>
+                      </m:oMathPara>
+                    </a14:m>
+                    <a:endParaRPr lang="en-US" sz="2000" dirty="0" smtClean="0">
+                      <a:latin typeface="Arial" panose="020B0604020202020204" pitchFamily="34" charset="0"/>
+                      <a:cs typeface="Arial" panose="020B0604020202020204" pitchFamily="34" charset="0"/>
+                    </a:endParaRPr>
+                  </a:p>
+                </p:txBody>
+              </p:sp>
+            </mc:Choice>
+            <mc:Fallback>
+              <p:sp>
+                <p:nvSpPr>
+                  <p:cNvPr id="10" name="TextBox 9"/>
+                  <p:cNvSpPr txBox="1">
+                    <a:spLocks noRot="1" noChangeAspect="1" noMove="1" noResize="1" noEditPoints="1" noAdjustHandles="1" noChangeArrowheads="1" noChangeShapeType="1" noTextEdit="1"/>
+                  </p:cNvSpPr>
+                  <p:nvPr/>
+                </p:nvSpPr>
+                <p:spPr>
+                  <a:xfrm>
+                    <a:off x="3741577" y="1923786"/>
+                    <a:ext cx="394995" cy="307777"/>
+                  </a:xfrm>
+                  <a:prstGeom prst="rect">
+                    <a:avLst/>
+                  </a:prstGeom>
+                  <a:blipFill>
+                    <a:blip r:embed="rId7"/>
+                    <a:stretch>
+                      <a:fillRect b="-10000"/>
+                    </a:stretch>
+                  </a:blipFill>
+                </p:spPr>
+                <p:txBody>
+                  <a:bodyPr/>
+                  <a:lstStyle/>
+                  <a:p>
+                    <a:r>
+                      <a:rPr lang="en-US">
+                        <a:noFill/>
+                      </a:rPr>
+                      <a:t> </a:t>
+                    </a:r>
+                  </a:p>
+                </p:txBody>
+              </p:sp>
+            </mc:Fallback>
+          </mc:AlternateContent>
+        </p:grpSp>
+        <p:grpSp>
+          <p:nvGrpSpPr>
+            <p:cNvPr id="26" name="Group 25"/>
+            <p:cNvGrpSpPr/>
+            <p:nvPr/>
+          </p:nvGrpSpPr>
+          <p:grpSpPr>
+            <a:xfrm>
+              <a:off x="5040087" y="2424519"/>
+              <a:ext cx="752665" cy="404254"/>
+              <a:chOff x="4799824" y="2424530"/>
+              <a:chExt cx="752665" cy="404254"/>
+            </a:xfrm>
+          </p:grpSpPr>
+          <p:sp>
+            <p:nvSpPr>
+              <p:cNvPr id="11" name="Rectangle 10"/>
+              <p:cNvSpPr/>
+              <p:nvPr/>
+            </p:nvSpPr>
+            <p:spPr>
+              <a:xfrm>
+                <a:off x="4844142" y="2424530"/>
+                <a:ext cx="664029" cy="404254"/>
+              </a:xfrm>
+              <a:prstGeom prst="rect">
+                <a:avLst/>
+              </a:prstGeom>
+              <a:noFill/>
+              <a:ln w="38100">
+                <a:solidFill>
+                  <a:schemeClr val="tx1"/>
+                </a:solidFill>
+              </a:ln>
+            </p:spPr>
+            <p:style>
+              <a:lnRef idx="2">
+                <a:schemeClr val="accent1">
+                  <a:shade val="50000"/>
+                </a:schemeClr>
+              </a:lnRef>
+              <a:fillRef idx="1">
+                <a:schemeClr val="accent1"/>
+              </a:fillRef>
+              <a:effectRef idx="0">
+                <a:schemeClr val="accent1"/>
+              </a:effectRef>
+              <a:fontRef idx="minor">
+                <a:schemeClr val="lt1"/>
+              </a:fontRef>
+            </p:style>
+            <p:txBody>
+              <a:bodyPr rtlCol="0" anchor="ctr"/>
+              <a:lstStyle/>
+              <a:p>
+                <a:pPr algn="ctr"/>
+                <a:endParaRPr lang="en-US" dirty="0"/>
+              </a:p>
+            </p:txBody>
+          </p:sp>
+          <mc:AlternateContent xmlns:mc="http://schemas.openxmlformats.org/markup-compatibility/2006">
+            <mc:Choice xmlns:a14="http://schemas.microsoft.com/office/drawing/2010/main" Requires="a14">
+              <p:sp>
+                <p:nvSpPr>
+                  <p:cNvPr id="13" name="TextBox 12"/>
+                  <p:cNvSpPr txBox="1"/>
+                  <p:nvPr/>
+                </p:nvSpPr>
+                <p:spPr>
+                  <a:xfrm>
+                    <a:off x="5157494" y="2472768"/>
+                    <a:ext cx="394995" cy="307777"/>
+                  </a:xfrm>
+                  <a:prstGeom prst="rect">
+                    <a:avLst/>
+                  </a:prstGeom>
+                  <a:noFill/>
+                </p:spPr>
+                <p:txBody>
+                  <a:bodyPr wrap="square" lIns="0" tIns="0" rIns="0" bIns="0" rtlCol="0">
+                    <a:spAutoFit/>
+                  </a:bodyPr>
+                  <a:lstStyle/>
+                  <a:p>
+                    <a14:m>
+                      <m:oMathPara xmlns:m="http://schemas.openxmlformats.org/officeDocument/2006/math">
+                        <m:oMathParaPr>
+                          <m:jc m:val="centerGroup"/>
+                        </m:oMathParaPr>
+                        <m:oMath xmlns:m="http://schemas.openxmlformats.org/officeDocument/2006/math">
+                          <m:r>
+                            <a:rPr lang="en-US" sz="2000" b="0" i="1" smtClean="0">
+                              <a:latin typeface="Cambria Math" panose="02040503050406030204" pitchFamily="18" charset="0"/>
+                              <a:cs typeface="Arial" panose="020B0604020202020204" pitchFamily="34" charset="0"/>
+                            </a:rPr>
+                            <m:t>𝑆</m:t>
+                          </m:r>
+                        </m:oMath>
+                      </m:oMathPara>
+                    </a14:m>
+                    <a:endParaRPr lang="en-US" sz="2000" dirty="0" smtClean="0">
+                      <a:latin typeface="Arial" panose="020B0604020202020204" pitchFamily="34" charset="0"/>
+                      <a:cs typeface="Arial" panose="020B0604020202020204" pitchFamily="34" charset="0"/>
+                    </a:endParaRPr>
+                  </a:p>
+                </p:txBody>
+              </p:sp>
+            </mc:Choice>
+            <mc:Fallback>
+              <p:sp>
+                <p:nvSpPr>
+                  <p:cNvPr id="13" name="TextBox 12"/>
+                  <p:cNvSpPr txBox="1">
+                    <a:spLocks noRot="1" noChangeAspect="1" noMove="1" noResize="1" noEditPoints="1" noAdjustHandles="1" noChangeArrowheads="1" noChangeShapeType="1" noTextEdit="1"/>
+                  </p:cNvSpPr>
+                  <p:nvPr/>
+                </p:nvSpPr>
+                <p:spPr>
+                  <a:xfrm>
+                    <a:off x="5157494" y="2472768"/>
+                    <a:ext cx="394995" cy="307777"/>
+                  </a:xfrm>
+                  <a:prstGeom prst="rect">
+                    <a:avLst/>
+                  </a:prstGeom>
+                  <a:blipFill>
+                    <a:blip r:embed="rId8"/>
+                    <a:stretch>
+                      <a:fillRect b="-9804"/>
+                    </a:stretch>
+                  </a:blipFill>
+                </p:spPr>
+                <p:txBody>
+                  <a:bodyPr/>
+                  <a:lstStyle/>
+                  <a:p>
+                    <a:r>
+                      <a:rPr lang="en-US">
+                        <a:noFill/>
+                      </a:rPr>
+                      <a:t> </a:t>
+                    </a:r>
+                  </a:p>
+                </p:txBody>
+              </p:sp>
+            </mc:Fallback>
+          </mc:AlternateContent>
+          <mc:AlternateContent xmlns:mc="http://schemas.openxmlformats.org/markup-compatibility/2006">
+            <mc:Choice xmlns:a14="http://schemas.microsoft.com/office/drawing/2010/main" Requires="a14">
+              <p:sp>
+                <p:nvSpPr>
+                  <p:cNvPr id="15" name="TextBox 14"/>
+                  <p:cNvSpPr txBox="1"/>
+                  <p:nvPr/>
+                </p:nvSpPr>
+                <p:spPr>
+                  <a:xfrm>
+                    <a:off x="4799824" y="2472768"/>
+                    <a:ext cx="394995" cy="307777"/>
+                  </a:xfrm>
+                  <a:prstGeom prst="rect">
+                    <a:avLst/>
+                  </a:prstGeom>
+                  <a:noFill/>
+                </p:spPr>
+                <p:txBody>
+                  <a:bodyPr wrap="square" lIns="0" tIns="0" rIns="0" bIns="0" rtlCol="0">
+                    <a:spAutoFit/>
+                  </a:bodyPr>
+                  <a:lstStyle/>
+                  <a:p>
+                    <a14:m>
+                      <m:oMathPara xmlns:m="http://schemas.openxmlformats.org/officeDocument/2006/math">
+                        <m:oMathParaPr>
+                          <m:jc m:val="centerGroup"/>
+                        </m:oMathParaPr>
+                        <m:oMath xmlns:m="http://schemas.openxmlformats.org/officeDocument/2006/math">
+                          <m:r>
+                            <a:rPr lang="en-US" sz="2000" b="0" i="1" smtClean="0">
+                              <a:latin typeface="Cambria Math" panose="02040503050406030204" pitchFamily="18" charset="0"/>
+                              <a:cs typeface="Arial" panose="020B0604020202020204" pitchFamily="34" charset="0"/>
+                            </a:rPr>
+                            <m:t>𝑁</m:t>
+                          </m:r>
+                        </m:oMath>
+                      </m:oMathPara>
+                    </a14:m>
+                    <a:endParaRPr lang="en-US" sz="2000" dirty="0" smtClean="0">
+                      <a:latin typeface="Arial" panose="020B0604020202020204" pitchFamily="34" charset="0"/>
+                      <a:cs typeface="Arial" panose="020B0604020202020204" pitchFamily="34" charset="0"/>
+                    </a:endParaRPr>
+                  </a:p>
+                </p:txBody>
+              </p:sp>
+            </mc:Choice>
+            <mc:Fallback>
+              <p:sp>
+                <p:nvSpPr>
+                  <p:cNvPr id="15" name="TextBox 14"/>
+                  <p:cNvSpPr txBox="1">
+                    <a:spLocks noRot="1" noChangeAspect="1" noMove="1" noResize="1" noEditPoints="1" noAdjustHandles="1" noChangeArrowheads="1" noChangeShapeType="1" noTextEdit="1"/>
+                  </p:cNvSpPr>
+                  <p:nvPr/>
+                </p:nvSpPr>
+                <p:spPr>
+                  <a:xfrm>
+                    <a:off x="4799824" y="2472768"/>
+                    <a:ext cx="394995" cy="307777"/>
+                  </a:xfrm>
+                  <a:prstGeom prst="rect">
+                    <a:avLst/>
+                  </a:prstGeom>
+                  <a:blipFill>
+                    <a:blip r:embed="rId9"/>
+                    <a:stretch>
+                      <a:fillRect b="-9804"/>
+                    </a:stretch>
+                  </a:blipFill>
+                </p:spPr>
+                <p:txBody>
+                  <a:bodyPr/>
+                  <a:lstStyle/>
+                  <a:p>
+                    <a:r>
+                      <a:rPr lang="en-US">
+                        <a:noFill/>
+                      </a:rPr>
+                      <a:t> </a:t>
+                    </a:r>
+                  </a:p>
+                </p:txBody>
+              </p:sp>
+            </mc:Fallback>
+          </mc:AlternateContent>
+        </p:grpSp>
+        <p:grpSp>
+          <p:nvGrpSpPr>
+            <p:cNvPr id="29" name="Group 28"/>
+            <p:cNvGrpSpPr/>
+            <p:nvPr/>
+          </p:nvGrpSpPr>
+          <p:grpSpPr>
+            <a:xfrm>
+              <a:off x="4243104" y="2424518"/>
+              <a:ext cx="752665" cy="404254"/>
+              <a:chOff x="4799824" y="2424530"/>
+              <a:chExt cx="752665" cy="404254"/>
+            </a:xfrm>
+          </p:grpSpPr>
+          <p:sp>
+            <p:nvSpPr>
+              <p:cNvPr id="30" name="Rectangle 29"/>
+              <p:cNvSpPr/>
+              <p:nvPr/>
+            </p:nvSpPr>
+            <p:spPr>
+              <a:xfrm>
+                <a:off x="4844142" y="2424530"/>
+                <a:ext cx="664029" cy="404254"/>
+              </a:xfrm>
+              <a:prstGeom prst="rect">
+                <a:avLst/>
+              </a:prstGeom>
+              <a:noFill/>
+              <a:ln w="38100">
+                <a:solidFill>
+                  <a:schemeClr val="tx1"/>
+                </a:solidFill>
+              </a:ln>
+            </p:spPr>
+            <p:style>
+              <a:lnRef idx="2">
+                <a:schemeClr val="accent1">
+                  <a:shade val="50000"/>
+                </a:schemeClr>
+              </a:lnRef>
+              <a:fillRef idx="1">
+                <a:schemeClr val="accent1"/>
+              </a:fillRef>
+              <a:effectRef idx="0">
+                <a:schemeClr val="accent1"/>
+              </a:effectRef>
+              <a:fontRef idx="minor">
+                <a:schemeClr val="lt1"/>
+              </a:fontRef>
+            </p:style>
+            <p:txBody>
+              <a:bodyPr rtlCol="0" anchor="ctr"/>
+              <a:lstStyle/>
+              <a:p>
+                <a:pPr algn="ctr"/>
+                <a:endParaRPr lang="en-US" dirty="0"/>
+              </a:p>
+            </p:txBody>
+          </p:sp>
+          <mc:AlternateContent xmlns:mc="http://schemas.openxmlformats.org/markup-compatibility/2006">
+            <mc:Choice xmlns:a14="http://schemas.microsoft.com/office/drawing/2010/main" Requires="a14">
+              <p:sp>
+                <p:nvSpPr>
+                  <p:cNvPr id="31" name="TextBox 30"/>
+                  <p:cNvSpPr txBox="1"/>
+                  <p:nvPr/>
+                </p:nvSpPr>
+                <p:spPr>
+                  <a:xfrm>
+                    <a:off x="5157494" y="2472768"/>
+                    <a:ext cx="394995" cy="307777"/>
+                  </a:xfrm>
+                  <a:prstGeom prst="rect">
+                    <a:avLst/>
+                  </a:prstGeom>
+                  <a:noFill/>
+                </p:spPr>
+                <p:txBody>
+                  <a:bodyPr wrap="square" lIns="0" tIns="0" rIns="0" bIns="0" rtlCol="0">
+                    <a:spAutoFit/>
+                  </a:bodyPr>
+                  <a:lstStyle/>
+                  <a:p>
+                    <a14:m>
+                      <m:oMathPara xmlns:m="http://schemas.openxmlformats.org/officeDocument/2006/math">
+                        <m:oMathParaPr>
+                          <m:jc m:val="centerGroup"/>
+                        </m:oMathParaPr>
+                        <m:oMath xmlns:m="http://schemas.openxmlformats.org/officeDocument/2006/math">
+                          <m:r>
+                            <a:rPr lang="en-US" sz="2000" b="0" i="1" smtClean="0">
+                              <a:latin typeface="Cambria Math" panose="02040503050406030204" pitchFamily="18" charset="0"/>
+                              <a:cs typeface="Arial" panose="020B0604020202020204" pitchFamily="34" charset="0"/>
+                            </a:rPr>
+                            <m:t>𝑆</m:t>
+                          </m:r>
+                        </m:oMath>
+                      </m:oMathPara>
+                    </a14:m>
+                    <a:endParaRPr lang="en-US" sz="2000" dirty="0" smtClean="0">
+                      <a:latin typeface="Arial" panose="020B0604020202020204" pitchFamily="34" charset="0"/>
+                      <a:cs typeface="Arial" panose="020B0604020202020204" pitchFamily="34" charset="0"/>
+                    </a:endParaRPr>
+                  </a:p>
+                </p:txBody>
+              </p:sp>
+            </mc:Choice>
+            <mc:Fallback>
+              <p:sp>
+                <p:nvSpPr>
+                  <p:cNvPr id="31" name="TextBox 30"/>
+                  <p:cNvSpPr txBox="1">
+                    <a:spLocks noRot="1" noChangeAspect="1" noMove="1" noResize="1" noEditPoints="1" noAdjustHandles="1" noChangeArrowheads="1" noChangeShapeType="1" noTextEdit="1"/>
+                  </p:cNvSpPr>
+                  <p:nvPr/>
+                </p:nvSpPr>
+                <p:spPr>
+                  <a:xfrm>
+                    <a:off x="5157494" y="2472768"/>
+                    <a:ext cx="394995" cy="307777"/>
+                  </a:xfrm>
+                  <a:prstGeom prst="rect">
+                    <a:avLst/>
+                  </a:prstGeom>
+                  <a:blipFill>
+                    <a:blip r:embed="rId10"/>
+                    <a:stretch>
+                      <a:fillRect b="-9804"/>
+                    </a:stretch>
+                  </a:blipFill>
+                </p:spPr>
+                <p:txBody>
+                  <a:bodyPr/>
+                  <a:lstStyle/>
+                  <a:p>
+                    <a:r>
+                      <a:rPr lang="en-US">
+                        <a:noFill/>
+                      </a:rPr>
+                      <a:t> </a:t>
+                    </a:r>
+                  </a:p>
+                </p:txBody>
+              </p:sp>
+            </mc:Fallback>
+          </mc:AlternateContent>
+          <mc:AlternateContent xmlns:mc="http://schemas.openxmlformats.org/markup-compatibility/2006">
+            <mc:Choice xmlns:a14="http://schemas.microsoft.com/office/drawing/2010/main" Requires="a14">
+              <p:sp>
+                <p:nvSpPr>
+                  <p:cNvPr id="32" name="TextBox 31"/>
+                  <p:cNvSpPr txBox="1"/>
+                  <p:nvPr/>
+                </p:nvSpPr>
+                <p:spPr>
+                  <a:xfrm>
+                    <a:off x="4799824" y="2472768"/>
+                    <a:ext cx="394995" cy="307777"/>
+                  </a:xfrm>
+                  <a:prstGeom prst="rect">
+                    <a:avLst/>
+                  </a:prstGeom>
+                  <a:noFill/>
+                </p:spPr>
+                <p:txBody>
+                  <a:bodyPr wrap="square" lIns="0" tIns="0" rIns="0" bIns="0" rtlCol="0">
+                    <a:spAutoFit/>
+                  </a:bodyPr>
+                  <a:lstStyle/>
+                  <a:p>
+                    <a14:m>
+                      <m:oMathPara xmlns:m="http://schemas.openxmlformats.org/officeDocument/2006/math">
+                        <m:oMathParaPr>
+                          <m:jc m:val="centerGroup"/>
+                        </m:oMathParaPr>
+                        <m:oMath xmlns:m="http://schemas.openxmlformats.org/officeDocument/2006/math">
+                          <m:r>
+                            <a:rPr lang="en-US" sz="2000" b="0" i="1" smtClean="0">
+                              <a:latin typeface="Cambria Math" panose="02040503050406030204" pitchFamily="18" charset="0"/>
+                              <a:cs typeface="Arial" panose="020B0604020202020204" pitchFamily="34" charset="0"/>
+                            </a:rPr>
+                            <m:t>𝑁</m:t>
+                          </m:r>
+                        </m:oMath>
+                      </m:oMathPara>
+                    </a14:m>
+                    <a:endParaRPr lang="en-US" sz="2000" dirty="0" smtClean="0">
+                      <a:latin typeface="Arial" panose="020B0604020202020204" pitchFamily="34" charset="0"/>
+                      <a:cs typeface="Arial" panose="020B0604020202020204" pitchFamily="34" charset="0"/>
+                    </a:endParaRPr>
+                  </a:p>
+                </p:txBody>
+              </p:sp>
+            </mc:Choice>
+            <mc:Fallback>
+              <p:sp>
+                <p:nvSpPr>
+                  <p:cNvPr id="32" name="TextBox 31"/>
+                  <p:cNvSpPr txBox="1">
+                    <a:spLocks noRot="1" noChangeAspect="1" noMove="1" noResize="1" noEditPoints="1" noAdjustHandles="1" noChangeArrowheads="1" noChangeShapeType="1" noTextEdit="1"/>
+                  </p:cNvSpPr>
+                  <p:nvPr/>
+                </p:nvSpPr>
+                <p:spPr>
+                  <a:xfrm>
+                    <a:off x="4799824" y="2472768"/>
+                    <a:ext cx="394995" cy="307777"/>
+                  </a:xfrm>
+                  <a:prstGeom prst="rect">
+                    <a:avLst/>
+                  </a:prstGeom>
+                  <a:blipFill>
+                    <a:blip r:embed="rId11"/>
+                    <a:stretch>
+                      <a:fillRect b="-9804"/>
+                    </a:stretch>
+                  </a:blipFill>
+                </p:spPr>
+                <p:txBody>
+                  <a:bodyPr/>
+                  <a:lstStyle/>
+                  <a:p>
+                    <a:r>
+                      <a:rPr lang="en-US">
+                        <a:noFill/>
+                      </a:rPr>
+                      <a:t> </a:t>
+                    </a:r>
+                  </a:p>
+                </p:txBody>
+              </p:sp>
+            </mc:Fallback>
+          </mc:AlternateContent>
+        </p:grpSp>
+        <p:grpSp>
+          <p:nvGrpSpPr>
+            <p:cNvPr id="33" name="Group 32"/>
+            <p:cNvGrpSpPr/>
+            <p:nvPr/>
+          </p:nvGrpSpPr>
+          <p:grpSpPr>
+            <a:xfrm>
+              <a:off x="3401803" y="2424517"/>
+              <a:ext cx="752665" cy="404254"/>
+              <a:chOff x="4799824" y="2424530"/>
+              <a:chExt cx="752665" cy="404254"/>
+            </a:xfrm>
+          </p:grpSpPr>
+          <p:sp>
+            <p:nvSpPr>
+              <p:cNvPr id="34" name="Rectangle 33"/>
+              <p:cNvSpPr/>
+              <p:nvPr/>
+            </p:nvSpPr>
+            <p:spPr>
+              <a:xfrm>
+                <a:off x="4844142" y="2424530"/>
+                <a:ext cx="664029" cy="404254"/>
+              </a:xfrm>
+              <a:prstGeom prst="rect">
+                <a:avLst/>
+              </a:prstGeom>
+              <a:noFill/>
+              <a:ln w="38100">
+                <a:solidFill>
+                  <a:schemeClr val="tx1"/>
+                </a:solidFill>
+              </a:ln>
+            </p:spPr>
+            <p:style>
+              <a:lnRef idx="2">
+                <a:schemeClr val="accent1">
+                  <a:shade val="50000"/>
+                </a:schemeClr>
+              </a:lnRef>
+              <a:fillRef idx="1">
+                <a:schemeClr val="accent1"/>
+              </a:fillRef>
+              <a:effectRef idx="0">
+                <a:schemeClr val="accent1"/>
+              </a:effectRef>
+              <a:fontRef idx="minor">
+                <a:schemeClr val="lt1"/>
+              </a:fontRef>
+            </p:style>
+            <p:txBody>
+              <a:bodyPr rtlCol="0" anchor="ctr"/>
+              <a:lstStyle/>
+              <a:p>
+                <a:pPr algn="ctr"/>
+                <a:endParaRPr lang="en-US" dirty="0"/>
+              </a:p>
+            </p:txBody>
+          </p:sp>
+          <mc:AlternateContent xmlns:mc="http://schemas.openxmlformats.org/markup-compatibility/2006">
+            <mc:Choice xmlns:a14="http://schemas.microsoft.com/office/drawing/2010/main" Requires="a14">
+              <p:sp>
+                <p:nvSpPr>
+                  <p:cNvPr id="35" name="TextBox 34"/>
+                  <p:cNvSpPr txBox="1"/>
+                  <p:nvPr/>
+                </p:nvSpPr>
+                <p:spPr>
+                  <a:xfrm>
+                    <a:off x="5157494" y="2472768"/>
+                    <a:ext cx="394995" cy="307777"/>
+                  </a:xfrm>
+                  <a:prstGeom prst="rect">
+                    <a:avLst/>
+                  </a:prstGeom>
+                  <a:noFill/>
+                </p:spPr>
+                <p:txBody>
+                  <a:bodyPr wrap="square" lIns="0" tIns="0" rIns="0" bIns="0" rtlCol="0">
+                    <a:spAutoFit/>
+                  </a:bodyPr>
+                  <a:lstStyle/>
+                  <a:p>
+                    <a14:m>
+                      <m:oMathPara xmlns:m="http://schemas.openxmlformats.org/officeDocument/2006/math">
+                        <m:oMathParaPr>
+                          <m:jc m:val="centerGroup"/>
+                        </m:oMathParaPr>
+                        <m:oMath xmlns:m="http://schemas.openxmlformats.org/officeDocument/2006/math">
+                          <m:r>
+                            <a:rPr lang="en-US" sz="2000" b="0" i="1" smtClean="0">
+                              <a:latin typeface="Cambria Math" panose="02040503050406030204" pitchFamily="18" charset="0"/>
+                              <a:cs typeface="Arial" panose="020B0604020202020204" pitchFamily="34" charset="0"/>
+                            </a:rPr>
+                            <m:t>𝑆</m:t>
+                          </m:r>
+                        </m:oMath>
+                      </m:oMathPara>
+                    </a14:m>
+                    <a:endParaRPr lang="en-US" sz="2000" dirty="0" smtClean="0">
+                      <a:latin typeface="Arial" panose="020B0604020202020204" pitchFamily="34" charset="0"/>
+                      <a:cs typeface="Arial" panose="020B0604020202020204" pitchFamily="34" charset="0"/>
+                    </a:endParaRPr>
+                  </a:p>
+                </p:txBody>
+              </p:sp>
+            </mc:Choice>
+            <mc:Fallback>
+              <p:sp>
+                <p:nvSpPr>
+                  <p:cNvPr id="35" name="TextBox 34"/>
+                  <p:cNvSpPr txBox="1">
+                    <a:spLocks noRot="1" noChangeAspect="1" noMove="1" noResize="1" noEditPoints="1" noAdjustHandles="1" noChangeArrowheads="1" noChangeShapeType="1" noTextEdit="1"/>
+                  </p:cNvSpPr>
+                  <p:nvPr/>
+                </p:nvSpPr>
+                <p:spPr>
+                  <a:xfrm>
+                    <a:off x="5157494" y="2472768"/>
+                    <a:ext cx="394995" cy="307777"/>
+                  </a:xfrm>
+                  <a:prstGeom prst="rect">
+                    <a:avLst/>
+                  </a:prstGeom>
+                  <a:blipFill>
+                    <a:blip r:embed="rId12"/>
+                    <a:stretch>
+                      <a:fillRect b="-9804"/>
+                    </a:stretch>
+                  </a:blipFill>
+                </p:spPr>
+                <p:txBody>
+                  <a:bodyPr/>
+                  <a:lstStyle/>
+                  <a:p>
+                    <a:r>
+                      <a:rPr lang="en-US">
+                        <a:noFill/>
+                      </a:rPr>
+                      <a:t> </a:t>
+                    </a:r>
+                  </a:p>
+                </p:txBody>
+              </p:sp>
+            </mc:Fallback>
+          </mc:AlternateContent>
+          <mc:AlternateContent xmlns:mc="http://schemas.openxmlformats.org/markup-compatibility/2006">
+            <mc:Choice xmlns:a14="http://schemas.microsoft.com/office/drawing/2010/main" Requires="a14">
+              <p:sp>
+                <p:nvSpPr>
+                  <p:cNvPr id="36" name="TextBox 35"/>
+                  <p:cNvSpPr txBox="1"/>
+                  <p:nvPr/>
+                </p:nvSpPr>
+                <p:spPr>
+                  <a:xfrm>
+                    <a:off x="4799824" y="2472768"/>
+                    <a:ext cx="394995" cy="307777"/>
+                  </a:xfrm>
+                  <a:prstGeom prst="rect">
+                    <a:avLst/>
+                  </a:prstGeom>
+                  <a:noFill/>
+                </p:spPr>
+                <p:txBody>
+                  <a:bodyPr wrap="square" lIns="0" tIns="0" rIns="0" bIns="0" rtlCol="0">
+                    <a:spAutoFit/>
+                  </a:bodyPr>
+                  <a:lstStyle/>
+                  <a:p>
+                    <a14:m>
+                      <m:oMathPara xmlns:m="http://schemas.openxmlformats.org/officeDocument/2006/math">
+                        <m:oMathParaPr>
+                          <m:jc m:val="centerGroup"/>
+                        </m:oMathParaPr>
+                        <m:oMath xmlns:m="http://schemas.openxmlformats.org/officeDocument/2006/math">
+                          <m:r>
+                            <a:rPr lang="en-US" sz="2000" b="0" i="1" smtClean="0">
+                              <a:latin typeface="Cambria Math" panose="02040503050406030204" pitchFamily="18" charset="0"/>
+                              <a:cs typeface="Arial" panose="020B0604020202020204" pitchFamily="34" charset="0"/>
+                            </a:rPr>
+                            <m:t>𝑁</m:t>
+                          </m:r>
+                        </m:oMath>
+                      </m:oMathPara>
+                    </a14:m>
+                    <a:endParaRPr lang="en-US" sz="2000" dirty="0" smtClean="0">
+                      <a:latin typeface="Arial" panose="020B0604020202020204" pitchFamily="34" charset="0"/>
+                      <a:cs typeface="Arial" panose="020B0604020202020204" pitchFamily="34" charset="0"/>
+                    </a:endParaRPr>
+                  </a:p>
+                </p:txBody>
+              </p:sp>
+            </mc:Choice>
+            <mc:Fallback>
+              <p:sp>
+                <p:nvSpPr>
+                  <p:cNvPr id="36" name="TextBox 35"/>
+                  <p:cNvSpPr txBox="1">
+                    <a:spLocks noRot="1" noChangeAspect="1" noMove="1" noResize="1" noEditPoints="1" noAdjustHandles="1" noChangeArrowheads="1" noChangeShapeType="1" noTextEdit="1"/>
+                  </p:cNvSpPr>
+                  <p:nvPr/>
+                </p:nvSpPr>
+                <p:spPr>
+                  <a:xfrm>
+                    <a:off x="4799824" y="2472768"/>
+                    <a:ext cx="394995" cy="307777"/>
+                  </a:xfrm>
+                  <a:prstGeom prst="rect">
+                    <a:avLst/>
+                  </a:prstGeom>
+                  <a:blipFill>
+                    <a:blip r:embed="rId13"/>
+                    <a:stretch>
+                      <a:fillRect b="-9804"/>
+                    </a:stretch>
+                  </a:blipFill>
+                </p:spPr>
+                <p:txBody>
+                  <a:bodyPr/>
+                  <a:lstStyle/>
+                  <a:p>
+                    <a:r>
+                      <a:rPr lang="en-US">
+                        <a:noFill/>
+                      </a:rPr>
+                      <a:t> </a:t>
+                    </a:r>
+                  </a:p>
+                </p:txBody>
+              </p:sp>
+            </mc:Fallback>
+          </mc:AlternateContent>
+        </p:grpSp>
+        <p:grpSp>
+          <p:nvGrpSpPr>
+            <p:cNvPr id="37" name="Group 36"/>
+            <p:cNvGrpSpPr/>
+            <p:nvPr/>
+          </p:nvGrpSpPr>
+          <p:grpSpPr>
+            <a:xfrm>
+              <a:off x="2560502" y="2424517"/>
+              <a:ext cx="752665" cy="404254"/>
+              <a:chOff x="4799824" y="2424530"/>
+              <a:chExt cx="752665" cy="404254"/>
+            </a:xfrm>
+          </p:grpSpPr>
+          <p:sp>
+            <p:nvSpPr>
+              <p:cNvPr id="38" name="Rectangle 37"/>
+              <p:cNvSpPr/>
+              <p:nvPr/>
+            </p:nvSpPr>
+            <p:spPr>
+              <a:xfrm>
+                <a:off x="4844142" y="2424530"/>
+                <a:ext cx="664029" cy="404254"/>
+              </a:xfrm>
+              <a:prstGeom prst="rect">
+                <a:avLst/>
+              </a:prstGeom>
+              <a:noFill/>
+              <a:ln w="38100">
+                <a:solidFill>
+                  <a:schemeClr val="tx1"/>
+                </a:solidFill>
+              </a:ln>
+            </p:spPr>
+            <p:style>
+              <a:lnRef idx="2">
+                <a:schemeClr val="accent1">
+                  <a:shade val="50000"/>
+                </a:schemeClr>
+              </a:lnRef>
+              <a:fillRef idx="1">
+                <a:schemeClr val="accent1"/>
+              </a:fillRef>
+              <a:effectRef idx="0">
+                <a:schemeClr val="accent1"/>
+              </a:effectRef>
+              <a:fontRef idx="minor">
+                <a:schemeClr val="lt1"/>
+              </a:fontRef>
+            </p:style>
+            <p:txBody>
+              <a:bodyPr rtlCol="0" anchor="ctr"/>
+              <a:lstStyle/>
+              <a:p>
+                <a:pPr algn="ctr"/>
+                <a:endParaRPr lang="en-US" dirty="0"/>
+              </a:p>
+            </p:txBody>
+          </p:sp>
+          <mc:AlternateContent xmlns:mc="http://schemas.openxmlformats.org/markup-compatibility/2006">
+            <mc:Choice xmlns:a14="http://schemas.microsoft.com/office/drawing/2010/main" Requires="a14">
+              <p:sp>
+                <p:nvSpPr>
+                  <p:cNvPr id="39" name="TextBox 38"/>
+                  <p:cNvSpPr txBox="1"/>
+                  <p:nvPr/>
+                </p:nvSpPr>
+                <p:spPr>
+                  <a:xfrm>
+                    <a:off x="5157494" y="2472768"/>
+                    <a:ext cx="394995" cy="307777"/>
+                  </a:xfrm>
+                  <a:prstGeom prst="rect">
+                    <a:avLst/>
+                  </a:prstGeom>
+                  <a:noFill/>
+                </p:spPr>
+                <p:txBody>
+                  <a:bodyPr wrap="square" lIns="0" tIns="0" rIns="0" bIns="0" rtlCol="0">
+                    <a:spAutoFit/>
+                  </a:bodyPr>
+                  <a:lstStyle/>
+                  <a:p>
+                    <a14:m>
+                      <m:oMathPara xmlns:m="http://schemas.openxmlformats.org/officeDocument/2006/math">
+                        <m:oMathParaPr>
+                          <m:jc m:val="centerGroup"/>
+                        </m:oMathParaPr>
+                        <m:oMath xmlns:m="http://schemas.openxmlformats.org/officeDocument/2006/math">
+                          <m:r>
+                            <a:rPr lang="en-US" sz="2000" b="0" i="1" smtClean="0">
+                              <a:latin typeface="Cambria Math" panose="02040503050406030204" pitchFamily="18" charset="0"/>
+                              <a:cs typeface="Arial" panose="020B0604020202020204" pitchFamily="34" charset="0"/>
+                            </a:rPr>
+                            <m:t>𝑆</m:t>
+                          </m:r>
+                        </m:oMath>
+                      </m:oMathPara>
+                    </a14:m>
+                    <a:endParaRPr lang="en-US" sz="2000" dirty="0" smtClean="0">
+                      <a:latin typeface="Arial" panose="020B0604020202020204" pitchFamily="34" charset="0"/>
+                      <a:cs typeface="Arial" panose="020B0604020202020204" pitchFamily="34" charset="0"/>
+                    </a:endParaRPr>
+                  </a:p>
+                </p:txBody>
+              </p:sp>
+            </mc:Choice>
+            <mc:Fallback>
+              <p:sp>
+                <p:nvSpPr>
+                  <p:cNvPr id="39" name="TextBox 38"/>
+                  <p:cNvSpPr txBox="1">
+                    <a:spLocks noRot="1" noChangeAspect="1" noMove="1" noResize="1" noEditPoints="1" noAdjustHandles="1" noChangeArrowheads="1" noChangeShapeType="1" noTextEdit="1"/>
+                  </p:cNvSpPr>
+                  <p:nvPr/>
+                </p:nvSpPr>
+                <p:spPr>
+                  <a:xfrm>
+                    <a:off x="5157494" y="2472768"/>
+                    <a:ext cx="394995" cy="307777"/>
+                  </a:xfrm>
+                  <a:prstGeom prst="rect">
+                    <a:avLst/>
+                  </a:prstGeom>
+                  <a:blipFill>
+                    <a:blip r:embed="rId14"/>
+                    <a:stretch>
+                      <a:fillRect b="-9804"/>
+                    </a:stretch>
+                  </a:blipFill>
+                </p:spPr>
+                <p:txBody>
+                  <a:bodyPr/>
+                  <a:lstStyle/>
+                  <a:p>
+                    <a:r>
+                      <a:rPr lang="en-US">
+                        <a:noFill/>
+                      </a:rPr>
+                      <a:t> </a:t>
+                    </a:r>
+                  </a:p>
+                </p:txBody>
+              </p:sp>
+            </mc:Fallback>
+          </mc:AlternateContent>
+          <mc:AlternateContent xmlns:mc="http://schemas.openxmlformats.org/markup-compatibility/2006">
+            <mc:Choice xmlns:a14="http://schemas.microsoft.com/office/drawing/2010/main" Requires="a14">
+              <p:sp>
+                <p:nvSpPr>
+                  <p:cNvPr id="40" name="TextBox 39"/>
+                  <p:cNvSpPr txBox="1"/>
+                  <p:nvPr/>
+                </p:nvSpPr>
+                <p:spPr>
+                  <a:xfrm>
+                    <a:off x="4799824" y="2472768"/>
+                    <a:ext cx="394995" cy="307777"/>
+                  </a:xfrm>
+                  <a:prstGeom prst="rect">
+                    <a:avLst/>
+                  </a:prstGeom>
+                  <a:noFill/>
+                </p:spPr>
+                <p:txBody>
+                  <a:bodyPr wrap="square" lIns="0" tIns="0" rIns="0" bIns="0" rtlCol="0">
+                    <a:spAutoFit/>
+                  </a:bodyPr>
+                  <a:lstStyle/>
+                  <a:p>
+                    <a14:m>
+                      <m:oMathPara xmlns:m="http://schemas.openxmlformats.org/officeDocument/2006/math">
+                        <m:oMathParaPr>
+                          <m:jc m:val="centerGroup"/>
+                        </m:oMathParaPr>
+                        <m:oMath xmlns:m="http://schemas.openxmlformats.org/officeDocument/2006/math">
+                          <m:r>
+                            <a:rPr lang="en-US" sz="2000" b="0" i="1" smtClean="0">
+                              <a:latin typeface="Cambria Math" panose="02040503050406030204" pitchFamily="18" charset="0"/>
+                              <a:cs typeface="Arial" panose="020B0604020202020204" pitchFamily="34" charset="0"/>
+                            </a:rPr>
+                            <m:t>𝑁</m:t>
+                          </m:r>
+                        </m:oMath>
+                      </m:oMathPara>
+                    </a14:m>
+                    <a:endParaRPr lang="en-US" sz="2000" dirty="0" smtClean="0">
+                      <a:latin typeface="Arial" panose="020B0604020202020204" pitchFamily="34" charset="0"/>
+                      <a:cs typeface="Arial" panose="020B0604020202020204" pitchFamily="34" charset="0"/>
+                    </a:endParaRPr>
+                  </a:p>
+                </p:txBody>
+              </p:sp>
+            </mc:Choice>
+            <mc:Fallback>
+              <p:sp>
+                <p:nvSpPr>
+                  <p:cNvPr id="40" name="TextBox 39"/>
+                  <p:cNvSpPr txBox="1">
+                    <a:spLocks noRot="1" noChangeAspect="1" noMove="1" noResize="1" noEditPoints="1" noAdjustHandles="1" noChangeArrowheads="1" noChangeShapeType="1" noTextEdit="1"/>
+                  </p:cNvSpPr>
+                  <p:nvPr/>
+                </p:nvSpPr>
+                <p:spPr>
+                  <a:xfrm>
+                    <a:off x="4799824" y="2472768"/>
+                    <a:ext cx="394995" cy="307777"/>
+                  </a:xfrm>
+                  <a:prstGeom prst="rect">
+                    <a:avLst/>
+                  </a:prstGeom>
+                  <a:blipFill>
+                    <a:blip r:embed="rId15"/>
+                    <a:stretch>
+                      <a:fillRect b="-9804"/>
+                    </a:stretch>
+                  </a:blipFill>
+                </p:spPr>
+                <p:txBody>
+                  <a:bodyPr/>
+                  <a:lstStyle/>
+                  <a:p>
+                    <a:r>
+                      <a:rPr lang="en-US">
+                        <a:noFill/>
+                      </a:rPr>
+                      <a:t> </a:t>
+                    </a:r>
+                  </a:p>
+                </p:txBody>
+              </p:sp>
+            </mc:Fallback>
+          </mc:AlternateContent>
+        </p:grpSp>
+      </p:grpSp>
+      <p:grpSp>
+        <p:nvGrpSpPr>
+          <p:cNvPr id="86" name="Group 85"/>
+          <p:cNvGrpSpPr/>
+          <p:nvPr/>
+        </p:nvGrpSpPr>
+        <p:grpSpPr>
+          <a:xfrm>
+            <a:off x="4989156" y="674911"/>
+            <a:ext cx="5457636" cy="1802356"/>
+            <a:chOff x="4989156" y="674911"/>
+            <a:chExt cx="5457636" cy="1802356"/>
+          </a:xfrm>
+        </p:grpSpPr>
+        <p:grpSp>
+          <p:nvGrpSpPr>
+            <p:cNvPr id="54" name="Group 53"/>
+            <p:cNvGrpSpPr/>
+            <p:nvPr/>
+          </p:nvGrpSpPr>
+          <p:grpSpPr>
+            <a:xfrm>
+              <a:off x="4989156" y="674911"/>
+              <a:ext cx="5457636" cy="1802356"/>
+              <a:chOff x="4528457" y="2807108"/>
+              <a:chExt cx="5457636" cy="1802356"/>
+            </a:xfrm>
+          </p:grpSpPr>
+          <p:grpSp>
+            <p:nvGrpSpPr>
+              <p:cNvPr id="45" name="Group 44"/>
+              <p:cNvGrpSpPr/>
+              <p:nvPr/>
+            </p:nvGrpSpPr>
+            <p:grpSpPr>
+              <a:xfrm>
+                <a:off x="5909394" y="3461656"/>
+                <a:ext cx="2743200" cy="500743"/>
+                <a:chOff x="2208251" y="4180113"/>
+                <a:chExt cx="2743200" cy="500743"/>
+              </a:xfrm>
+            </p:grpSpPr>
+            <p:sp>
+              <p:nvSpPr>
+                <p:cNvPr id="42" name="Rectangle 41"/>
+                <p:cNvSpPr/>
+                <p:nvPr/>
+              </p:nvSpPr>
+              <p:spPr>
+                <a:xfrm>
+                  <a:off x="2208251" y="4180113"/>
+                  <a:ext cx="2743200" cy="500743"/>
+                </a:xfrm>
+                <a:prstGeom prst="rect">
+                  <a:avLst/>
+                </a:prstGeom>
+                <a:noFill/>
+                <a:ln w="38100">
+                  <a:solidFill>
+                    <a:schemeClr val="tx1"/>
+                  </a:solidFill>
+                </a:ln>
+              </p:spPr>
+              <p:style>
+                <a:lnRef idx="2">
+                  <a:schemeClr val="accent1">
+                    <a:shade val="50000"/>
+                  </a:schemeClr>
+                </a:lnRef>
+                <a:fillRef idx="1">
+                  <a:schemeClr val="accent1"/>
+                </a:fillRef>
+                <a:effectRef idx="0">
+                  <a:schemeClr val="accent1"/>
+                </a:effectRef>
+                <a:fontRef idx="minor">
+                  <a:schemeClr val="lt1"/>
+                </a:fontRef>
+              </p:style>
+              <p:txBody>
+                <a:bodyPr rtlCol="0" anchor="ctr"/>
+                <a:lstStyle/>
+                <a:p>
+                  <a:pPr algn="ctr"/>
+                  <a:endParaRPr lang="en-US" dirty="0"/>
+                </a:p>
+              </p:txBody>
+            </p:sp>
+            <mc:AlternateContent xmlns:mc="http://schemas.openxmlformats.org/markup-compatibility/2006">
+              <mc:Choice xmlns:a14="http://schemas.microsoft.com/office/drawing/2010/main" Requires="a14">
+                <p:sp>
+                  <p:nvSpPr>
+                    <p:cNvPr id="43" name="TextBox 42"/>
+                    <p:cNvSpPr txBox="1"/>
+                    <p:nvPr/>
+                  </p:nvSpPr>
+                  <p:spPr>
+                    <a:xfrm>
+                      <a:off x="2208251" y="4276595"/>
+                      <a:ext cx="394995" cy="307777"/>
+                    </a:xfrm>
+                    <a:prstGeom prst="rect">
+                      <a:avLst/>
+                    </a:prstGeom>
+                    <a:noFill/>
+                  </p:spPr>
+                  <p:txBody>
+                    <a:bodyPr wrap="square" lIns="0" tIns="0" rIns="0" bIns="0" rtlCol="0">
+                      <a:spAutoFit/>
+                    </a:bodyPr>
+                    <a:lstStyle/>
+                    <a:p>
+                      <a14:m>
+                        <m:oMathPara xmlns:m="http://schemas.openxmlformats.org/officeDocument/2006/math">
+                          <m:oMathParaPr>
+                            <m:jc m:val="centerGroup"/>
+                          </m:oMathParaPr>
+                          <m:oMath xmlns:m="http://schemas.openxmlformats.org/officeDocument/2006/math">
+                            <m:r>
+                              <a:rPr lang="en-US" sz="2000" b="0" i="1" smtClean="0">
+                                <a:latin typeface="Cambria Math" panose="02040503050406030204" pitchFamily="18" charset="0"/>
+                                <a:cs typeface="Arial" panose="020B0604020202020204" pitchFamily="34" charset="0"/>
+                              </a:rPr>
+                              <m:t>𝑁</m:t>
+                            </m:r>
+                          </m:oMath>
+                        </m:oMathPara>
+                      </a14:m>
+                      <a:endParaRPr lang="en-US" sz="2000" dirty="0" smtClean="0">
+                        <a:latin typeface="Arial" panose="020B0604020202020204" pitchFamily="34" charset="0"/>
+                        <a:cs typeface="Arial" panose="020B0604020202020204" pitchFamily="34" charset="0"/>
+                      </a:endParaRPr>
+                    </a:p>
+                  </p:txBody>
+                </p:sp>
+              </mc:Choice>
+              <mc:Fallback>
+                <p:sp>
+                  <p:nvSpPr>
+                    <p:cNvPr id="43" name="TextBox 42"/>
+                    <p:cNvSpPr txBox="1">
+                      <a:spLocks noRot="1" noChangeAspect="1" noMove="1" noResize="1" noEditPoints="1" noAdjustHandles="1" noChangeArrowheads="1" noChangeShapeType="1" noTextEdit="1"/>
+                    </p:cNvSpPr>
+                    <p:nvPr/>
+                  </p:nvSpPr>
+                  <p:spPr>
+                    <a:xfrm>
+                      <a:off x="2208251" y="4276595"/>
+                      <a:ext cx="394995" cy="307777"/>
+                    </a:xfrm>
+                    <a:prstGeom prst="rect">
+                      <a:avLst/>
+                    </a:prstGeom>
+                    <a:blipFill>
+                      <a:blip r:embed="rId16"/>
+                      <a:stretch>
+                        <a:fillRect b="-10000"/>
+                      </a:stretch>
+                    </a:blipFill>
+                  </p:spPr>
+                  <p:txBody>
+                    <a:bodyPr/>
+                    <a:lstStyle/>
+                    <a:p>
+                      <a:r>
+                        <a:rPr lang="en-US">
+                          <a:noFill/>
+                        </a:rPr>
+                        <a:t> </a:t>
+                      </a:r>
+                    </a:p>
+                  </p:txBody>
+                </p:sp>
+              </mc:Fallback>
+            </mc:AlternateContent>
+            <mc:AlternateContent xmlns:mc="http://schemas.openxmlformats.org/markup-compatibility/2006">
+              <mc:Choice xmlns:a14="http://schemas.microsoft.com/office/drawing/2010/main" Requires="a14">
+                <p:sp>
+                  <p:nvSpPr>
+                    <p:cNvPr id="44" name="TextBox 43"/>
+                    <p:cNvSpPr txBox="1"/>
+                    <p:nvPr/>
+                  </p:nvSpPr>
+                  <p:spPr>
+                    <a:xfrm>
+                      <a:off x="4483366" y="4276594"/>
+                      <a:ext cx="394995" cy="307777"/>
+                    </a:xfrm>
+                    <a:prstGeom prst="rect">
+                      <a:avLst/>
+                    </a:prstGeom>
+                    <a:noFill/>
+                  </p:spPr>
+                  <p:txBody>
+                    <a:bodyPr wrap="square" lIns="0" tIns="0" rIns="0" bIns="0" rtlCol="0">
+                      <a:spAutoFit/>
+                    </a:bodyPr>
+                    <a:lstStyle/>
+                    <a:p>
+                      <a14:m>
+                        <m:oMathPara xmlns:m="http://schemas.openxmlformats.org/officeDocument/2006/math">
+                          <m:oMathParaPr>
+                            <m:jc m:val="centerGroup"/>
+                          </m:oMathParaPr>
+                          <m:oMath xmlns:m="http://schemas.openxmlformats.org/officeDocument/2006/math">
+                            <m:r>
+                              <a:rPr lang="en-US" sz="2000" b="0" i="1" smtClean="0">
+                                <a:latin typeface="Cambria Math" panose="02040503050406030204" pitchFamily="18" charset="0"/>
+                                <a:cs typeface="Arial" panose="020B0604020202020204" pitchFamily="34" charset="0"/>
+                              </a:rPr>
+                              <m:t>𝑆</m:t>
+                            </m:r>
+                          </m:oMath>
+                        </m:oMathPara>
+                      </a14:m>
+                      <a:endParaRPr lang="en-US" sz="2000" dirty="0" smtClean="0">
+                        <a:latin typeface="Arial" panose="020B0604020202020204" pitchFamily="34" charset="0"/>
+                        <a:cs typeface="Arial" panose="020B0604020202020204" pitchFamily="34" charset="0"/>
+                      </a:endParaRPr>
+                    </a:p>
+                  </p:txBody>
+                </p:sp>
+              </mc:Choice>
+              <mc:Fallback>
+                <p:sp>
+                  <p:nvSpPr>
+                    <p:cNvPr id="44" name="TextBox 43"/>
+                    <p:cNvSpPr txBox="1">
+                      <a:spLocks noRot="1" noChangeAspect="1" noMove="1" noResize="1" noEditPoints="1" noAdjustHandles="1" noChangeArrowheads="1" noChangeShapeType="1" noTextEdit="1"/>
+                    </p:cNvSpPr>
+                    <p:nvPr/>
+                  </p:nvSpPr>
+                  <p:spPr>
+                    <a:xfrm>
+                      <a:off x="4483366" y="4276594"/>
+                      <a:ext cx="394995" cy="307777"/>
+                    </a:xfrm>
+                    <a:prstGeom prst="rect">
+                      <a:avLst/>
+                    </a:prstGeom>
+                    <a:blipFill>
+                      <a:blip r:embed="rId17"/>
+                      <a:stretch>
+                        <a:fillRect b="-10000"/>
+                      </a:stretch>
+                    </a:blipFill>
+                  </p:spPr>
+                  <p:txBody>
+                    <a:bodyPr/>
+                    <a:lstStyle/>
+                    <a:p>
+                      <a:r>
+                        <a:rPr lang="en-US">
+                          <a:noFill/>
+                        </a:rPr>
+                        <a:t> </a:t>
+                      </a:r>
+                    </a:p>
+                  </p:txBody>
+                </p:sp>
+              </mc:Fallback>
+            </mc:AlternateContent>
+          </p:grpSp>
+          <p:cxnSp>
+            <p:nvCxnSpPr>
+              <p:cNvPr id="47" name="Straight Connector 46"/>
+              <p:cNvCxnSpPr/>
+              <p:nvPr/>
+            </p:nvCxnSpPr>
+            <p:spPr>
+              <a:xfrm flipV="1">
+                <a:off x="4586779" y="3712025"/>
+                <a:ext cx="5388429" cy="32657"/>
+              </a:xfrm>
+              <a:prstGeom prst="line">
+                <a:avLst/>
+              </a:prstGeom>
+              <a:ln w="9525">
+                <a:solidFill>
+                  <a:schemeClr val="tx1"/>
+                </a:solidFill>
+              </a:ln>
+            </p:spPr>
+            <p:style>
+              <a:lnRef idx="1">
+                <a:schemeClr val="accent1"/>
+              </a:lnRef>
+              <a:fillRef idx="0">
+                <a:schemeClr val="accent1"/>
+              </a:fillRef>
+              <a:effectRef idx="0">
+                <a:schemeClr val="accent1"/>
+              </a:effectRef>
+              <a:fontRef idx="minor">
+                <a:schemeClr val="tx1"/>
+              </a:fontRef>
+            </p:style>
+          </p:cxnSp>
+          <p:sp>
+            <p:nvSpPr>
+              <p:cNvPr id="50" name="Freeform 49"/>
+              <p:cNvSpPr/>
+              <p:nvPr/>
+            </p:nvSpPr>
+            <p:spPr>
+              <a:xfrm>
+                <a:off x="4528457" y="3287486"/>
+                <a:ext cx="5399314" cy="295315"/>
+              </a:xfrm>
+              <a:custGeom>
+                <a:avLst/>
+                <a:gdLst>
+                  <a:gd name="connsiteX0" fmla="*/ 0 w 5399314"/>
+                  <a:gd name="connsiteY0" fmla="*/ 0 h 295315"/>
+                  <a:gd name="connsiteX1" fmla="*/ 1371600 w 5399314"/>
+                  <a:gd name="connsiteY1" fmla="*/ 261257 h 295315"/>
+                  <a:gd name="connsiteX2" fmla="*/ 3145972 w 5399314"/>
+                  <a:gd name="connsiteY2" fmla="*/ 283028 h 295315"/>
+                  <a:gd name="connsiteX3" fmla="*/ 4038600 w 5399314"/>
+                  <a:gd name="connsiteY3" fmla="*/ 272143 h 295315"/>
+                  <a:gd name="connsiteX4" fmla="*/ 5399314 w 5399314"/>
+                  <a:gd name="connsiteY4" fmla="*/ 21771 h 295315"/>
+                </a:gdLst>
+                <a:ahLst/>
+                <a:cxnLst>
+                  <a:cxn ang="0">
+                    <a:pos x="connsiteX0" y="connsiteY0"/>
+                  </a:cxn>
+                  <a:cxn ang="0">
+                    <a:pos x="connsiteX1" y="connsiteY1"/>
+                  </a:cxn>
+                  <a:cxn ang="0">
+                    <a:pos x="connsiteX2" y="connsiteY2"/>
+                  </a:cxn>
+                  <a:cxn ang="0">
+                    <a:pos x="connsiteX3" y="connsiteY3"/>
+                  </a:cxn>
+                  <a:cxn ang="0">
+                    <a:pos x="connsiteX4" y="connsiteY4"/>
+                  </a:cxn>
+                </a:cxnLst>
+                <a:rect l="l" t="t" r="r" b="b"/>
+                <a:pathLst>
+                  <a:path w="5399314" h="295315">
+                    <a:moveTo>
+                      <a:pt x="0" y="0"/>
+                    </a:moveTo>
+                    <a:cubicBezTo>
+                      <a:pt x="423635" y="107043"/>
+                      <a:pt x="847271" y="214086"/>
+                      <a:pt x="1371600" y="261257"/>
+                    </a:cubicBezTo>
+                    <a:cubicBezTo>
+                      <a:pt x="1895929" y="308428"/>
+                      <a:pt x="3145972" y="283028"/>
+                      <a:pt x="3145972" y="283028"/>
+                    </a:cubicBezTo>
+                    <a:cubicBezTo>
+                      <a:pt x="3590472" y="284842"/>
+                      <a:pt x="3663043" y="315686"/>
+                      <a:pt x="4038600" y="272143"/>
+                    </a:cubicBezTo>
+                    <a:cubicBezTo>
+                      <a:pt x="4414157" y="228600"/>
+                      <a:pt x="5185228" y="65314"/>
+                      <a:pt x="5399314" y="21771"/>
+                    </a:cubicBezTo>
+                  </a:path>
+                </a:pathLst>
+              </a:custGeom>
+              <a:noFill/>
+              <a:ln w="12700">
+                <a:solidFill>
+                  <a:schemeClr val="tx1"/>
+                </a:solidFill>
+              </a:ln>
+            </p:spPr>
+            <p:style>
+              <a:lnRef idx="2">
+                <a:schemeClr val="accent1">
+                  <a:shade val="50000"/>
+                </a:schemeClr>
+              </a:lnRef>
+              <a:fillRef idx="1">
+                <a:schemeClr val="accent1"/>
+              </a:fillRef>
+              <a:effectRef idx="0">
+                <a:schemeClr val="accent1"/>
+              </a:effectRef>
+              <a:fontRef idx="minor">
+                <a:schemeClr val="lt1"/>
+              </a:fontRef>
+            </p:style>
+            <p:txBody>
+              <a:bodyPr rtlCol="0" anchor="ctr"/>
+              <a:lstStyle/>
+              <a:p>
+                <a:pPr algn="ctr"/>
+                <a:endParaRPr lang="en-US"/>
+              </a:p>
+            </p:txBody>
+          </p:sp>
+          <p:sp>
+            <p:nvSpPr>
+              <p:cNvPr id="51" name="Freeform 50"/>
+              <p:cNvSpPr/>
+              <p:nvPr/>
+            </p:nvSpPr>
+            <p:spPr>
+              <a:xfrm>
+                <a:off x="4694088" y="2807108"/>
+                <a:ext cx="5029200" cy="717457"/>
+              </a:xfrm>
+              <a:custGeom>
+                <a:avLst/>
+                <a:gdLst>
+                  <a:gd name="connsiteX0" fmla="*/ 0 w 5399314"/>
+                  <a:gd name="connsiteY0" fmla="*/ 0 h 295315"/>
+                  <a:gd name="connsiteX1" fmla="*/ 1371600 w 5399314"/>
+                  <a:gd name="connsiteY1" fmla="*/ 261257 h 295315"/>
+                  <a:gd name="connsiteX2" fmla="*/ 3145972 w 5399314"/>
+                  <a:gd name="connsiteY2" fmla="*/ 283028 h 295315"/>
+                  <a:gd name="connsiteX3" fmla="*/ 4038600 w 5399314"/>
+                  <a:gd name="connsiteY3" fmla="*/ 272143 h 295315"/>
+                  <a:gd name="connsiteX4" fmla="*/ 5399314 w 5399314"/>
+                  <a:gd name="connsiteY4" fmla="*/ 21771 h 295315"/>
+                  <a:gd name="connsiteX0" fmla="*/ 0 w 5323114"/>
+                  <a:gd name="connsiteY0" fmla="*/ 0 h 709480"/>
+                  <a:gd name="connsiteX1" fmla="*/ 1295400 w 5323114"/>
+                  <a:gd name="connsiteY1" fmla="*/ 653143 h 709480"/>
+                  <a:gd name="connsiteX2" fmla="*/ 3069772 w 5323114"/>
+                  <a:gd name="connsiteY2" fmla="*/ 674914 h 709480"/>
+                  <a:gd name="connsiteX3" fmla="*/ 3962400 w 5323114"/>
+                  <a:gd name="connsiteY3" fmla="*/ 664029 h 709480"/>
+                  <a:gd name="connsiteX4" fmla="*/ 5323114 w 5323114"/>
+                  <a:gd name="connsiteY4" fmla="*/ 413657 h 709480"/>
+                  <a:gd name="connsiteX0" fmla="*/ 0 w 5029200"/>
+                  <a:gd name="connsiteY0" fmla="*/ 0 h 717457"/>
+                  <a:gd name="connsiteX1" fmla="*/ 1295400 w 5029200"/>
+                  <a:gd name="connsiteY1" fmla="*/ 653143 h 717457"/>
+                  <a:gd name="connsiteX2" fmla="*/ 3069772 w 5029200"/>
+                  <a:gd name="connsiteY2" fmla="*/ 674914 h 717457"/>
+                  <a:gd name="connsiteX3" fmla="*/ 3962400 w 5029200"/>
+                  <a:gd name="connsiteY3" fmla="*/ 664029 h 717457"/>
+                  <a:gd name="connsiteX4" fmla="*/ 5029200 w 5029200"/>
+                  <a:gd name="connsiteY4" fmla="*/ 0 h 717457"/>
+                </a:gdLst>
+                <a:ahLst/>
+                <a:cxnLst>
+                  <a:cxn ang="0">
+                    <a:pos x="connsiteX0" y="connsiteY0"/>
+                  </a:cxn>
+                  <a:cxn ang="0">
+                    <a:pos x="connsiteX1" y="connsiteY1"/>
+                  </a:cxn>
+                  <a:cxn ang="0">
+                    <a:pos x="connsiteX2" y="connsiteY2"/>
+                  </a:cxn>
+                  <a:cxn ang="0">
+                    <a:pos x="connsiteX3" y="connsiteY3"/>
+                  </a:cxn>
+                  <a:cxn ang="0">
+                    <a:pos x="connsiteX4" y="connsiteY4"/>
+                  </a:cxn>
+                </a:cxnLst>
+                <a:rect l="l" t="t" r="r" b="b"/>
+                <a:pathLst>
+                  <a:path w="5029200" h="717457">
+                    <a:moveTo>
+                      <a:pt x="0" y="0"/>
+                    </a:moveTo>
+                    <a:cubicBezTo>
+                      <a:pt x="423635" y="107043"/>
+                      <a:pt x="783771" y="540657"/>
+                      <a:pt x="1295400" y="653143"/>
+                    </a:cubicBezTo>
+                    <a:cubicBezTo>
+                      <a:pt x="1807029" y="765629"/>
+                      <a:pt x="3069772" y="674914"/>
+                      <a:pt x="3069772" y="674914"/>
+                    </a:cubicBezTo>
+                    <a:cubicBezTo>
+                      <a:pt x="3514272" y="676728"/>
+                      <a:pt x="3635829" y="776515"/>
+                      <a:pt x="3962400" y="664029"/>
+                    </a:cubicBezTo>
+                    <a:cubicBezTo>
+                      <a:pt x="4288971" y="551543"/>
+                      <a:pt x="4815114" y="43543"/>
+                      <a:pt x="5029200" y="0"/>
+                    </a:cubicBezTo>
+                  </a:path>
+                </a:pathLst>
+              </a:custGeom>
+              <a:noFill/>
+              <a:ln w="12700">
+                <a:solidFill>
+                  <a:schemeClr val="tx1"/>
+                </a:solidFill>
+              </a:ln>
+            </p:spPr>
+            <p:style>
+              <a:lnRef idx="2">
+                <a:schemeClr val="accent1">
+                  <a:shade val="50000"/>
+                </a:schemeClr>
+              </a:lnRef>
+              <a:fillRef idx="1">
+                <a:schemeClr val="accent1"/>
+              </a:fillRef>
+              <a:effectRef idx="0">
+                <a:schemeClr val="accent1"/>
+              </a:effectRef>
+              <a:fontRef idx="minor">
+                <a:schemeClr val="lt1"/>
+              </a:fontRef>
+            </p:style>
+            <p:txBody>
+              <a:bodyPr rtlCol="0" anchor="ctr"/>
+              <a:lstStyle/>
+              <a:p>
+                <a:pPr algn="ctr"/>
+                <a:endParaRPr lang="en-US"/>
+              </a:p>
+            </p:txBody>
+          </p:sp>
+          <p:sp>
+            <p:nvSpPr>
+              <p:cNvPr id="52" name="Freeform 51"/>
+              <p:cNvSpPr/>
+              <p:nvPr/>
+            </p:nvSpPr>
+            <p:spPr>
+              <a:xfrm flipV="1">
+                <a:off x="4586779" y="3831149"/>
+                <a:ext cx="5399314" cy="327978"/>
+              </a:xfrm>
+              <a:custGeom>
+                <a:avLst/>
+                <a:gdLst>
+                  <a:gd name="connsiteX0" fmla="*/ 0 w 5399314"/>
+                  <a:gd name="connsiteY0" fmla="*/ 0 h 295315"/>
+                  <a:gd name="connsiteX1" fmla="*/ 1371600 w 5399314"/>
+                  <a:gd name="connsiteY1" fmla="*/ 261257 h 295315"/>
+                  <a:gd name="connsiteX2" fmla="*/ 3145972 w 5399314"/>
+                  <a:gd name="connsiteY2" fmla="*/ 283028 h 295315"/>
+                  <a:gd name="connsiteX3" fmla="*/ 4038600 w 5399314"/>
+                  <a:gd name="connsiteY3" fmla="*/ 272143 h 295315"/>
+                  <a:gd name="connsiteX4" fmla="*/ 5399314 w 5399314"/>
+                  <a:gd name="connsiteY4" fmla="*/ 21771 h 295315"/>
+                </a:gdLst>
+                <a:ahLst/>
+                <a:cxnLst>
+                  <a:cxn ang="0">
+                    <a:pos x="connsiteX0" y="connsiteY0"/>
+                  </a:cxn>
+                  <a:cxn ang="0">
+                    <a:pos x="connsiteX1" y="connsiteY1"/>
+                  </a:cxn>
+                  <a:cxn ang="0">
+                    <a:pos x="connsiteX2" y="connsiteY2"/>
+                  </a:cxn>
+                  <a:cxn ang="0">
+                    <a:pos x="connsiteX3" y="connsiteY3"/>
+                  </a:cxn>
+                  <a:cxn ang="0">
+                    <a:pos x="connsiteX4" y="connsiteY4"/>
+                  </a:cxn>
+                </a:cxnLst>
+                <a:rect l="l" t="t" r="r" b="b"/>
+                <a:pathLst>
+                  <a:path w="5399314" h="295315">
+                    <a:moveTo>
+                      <a:pt x="0" y="0"/>
+                    </a:moveTo>
+                    <a:cubicBezTo>
+                      <a:pt x="423635" y="107043"/>
+                      <a:pt x="847271" y="214086"/>
+                      <a:pt x="1371600" y="261257"/>
+                    </a:cubicBezTo>
+                    <a:cubicBezTo>
+                      <a:pt x="1895929" y="308428"/>
+                      <a:pt x="3145972" y="283028"/>
+                      <a:pt x="3145972" y="283028"/>
+                    </a:cubicBezTo>
+                    <a:cubicBezTo>
+                      <a:pt x="3590472" y="284842"/>
+                      <a:pt x="3663043" y="315686"/>
+                      <a:pt x="4038600" y="272143"/>
+                    </a:cubicBezTo>
+                    <a:cubicBezTo>
+                      <a:pt x="4414157" y="228600"/>
+                      <a:pt x="5185228" y="65314"/>
+                      <a:pt x="5399314" y="21771"/>
+                    </a:cubicBezTo>
+                  </a:path>
+                </a:pathLst>
+              </a:custGeom>
+              <a:noFill/>
+              <a:ln w="12700">
+                <a:solidFill>
+                  <a:schemeClr val="tx1"/>
+                </a:solidFill>
+              </a:ln>
+            </p:spPr>
+            <p:style>
+              <a:lnRef idx="2">
+                <a:schemeClr val="accent1">
+                  <a:shade val="50000"/>
+                </a:schemeClr>
+              </a:lnRef>
+              <a:fillRef idx="1">
+                <a:schemeClr val="accent1"/>
+              </a:fillRef>
+              <a:effectRef idx="0">
+                <a:schemeClr val="accent1"/>
+              </a:effectRef>
+              <a:fontRef idx="minor">
+                <a:schemeClr val="lt1"/>
+              </a:fontRef>
+            </p:style>
+            <p:txBody>
+              <a:bodyPr rtlCol="0" anchor="ctr"/>
+              <a:lstStyle/>
+              <a:p>
+                <a:pPr algn="ctr"/>
+                <a:endParaRPr lang="en-US"/>
+              </a:p>
+            </p:txBody>
+          </p:sp>
+          <p:sp>
+            <p:nvSpPr>
+              <p:cNvPr id="53" name="Freeform 52"/>
+              <p:cNvSpPr/>
+              <p:nvPr/>
+            </p:nvSpPr>
+            <p:spPr>
+              <a:xfrm flipV="1">
+                <a:off x="4713514" y="3899486"/>
+                <a:ext cx="5029200" cy="709978"/>
+              </a:xfrm>
+              <a:custGeom>
+                <a:avLst/>
+                <a:gdLst>
+                  <a:gd name="connsiteX0" fmla="*/ 0 w 5399314"/>
+                  <a:gd name="connsiteY0" fmla="*/ 0 h 295315"/>
+                  <a:gd name="connsiteX1" fmla="*/ 1371600 w 5399314"/>
+                  <a:gd name="connsiteY1" fmla="*/ 261257 h 295315"/>
+                  <a:gd name="connsiteX2" fmla="*/ 3145972 w 5399314"/>
+                  <a:gd name="connsiteY2" fmla="*/ 283028 h 295315"/>
+                  <a:gd name="connsiteX3" fmla="*/ 4038600 w 5399314"/>
+                  <a:gd name="connsiteY3" fmla="*/ 272143 h 295315"/>
+                  <a:gd name="connsiteX4" fmla="*/ 5399314 w 5399314"/>
+                  <a:gd name="connsiteY4" fmla="*/ 21771 h 295315"/>
+                  <a:gd name="connsiteX0" fmla="*/ 0 w 5323114"/>
+                  <a:gd name="connsiteY0" fmla="*/ 0 h 709480"/>
+                  <a:gd name="connsiteX1" fmla="*/ 1295400 w 5323114"/>
+                  <a:gd name="connsiteY1" fmla="*/ 653143 h 709480"/>
+                  <a:gd name="connsiteX2" fmla="*/ 3069772 w 5323114"/>
+                  <a:gd name="connsiteY2" fmla="*/ 674914 h 709480"/>
+                  <a:gd name="connsiteX3" fmla="*/ 3962400 w 5323114"/>
+                  <a:gd name="connsiteY3" fmla="*/ 664029 h 709480"/>
+                  <a:gd name="connsiteX4" fmla="*/ 5323114 w 5323114"/>
+                  <a:gd name="connsiteY4" fmla="*/ 413657 h 709480"/>
+                  <a:gd name="connsiteX0" fmla="*/ 0 w 5029200"/>
+                  <a:gd name="connsiteY0" fmla="*/ 0 h 717457"/>
+                  <a:gd name="connsiteX1" fmla="*/ 1295400 w 5029200"/>
+                  <a:gd name="connsiteY1" fmla="*/ 653143 h 717457"/>
+                  <a:gd name="connsiteX2" fmla="*/ 3069772 w 5029200"/>
+                  <a:gd name="connsiteY2" fmla="*/ 674914 h 717457"/>
+                  <a:gd name="connsiteX3" fmla="*/ 3962400 w 5029200"/>
+                  <a:gd name="connsiteY3" fmla="*/ 664029 h 717457"/>
+                  <a:gd name="connsiteX4" fmla="*/ 5029200 w 5029200"/>
+                  <a:gd name="connsiteY4" fmla="*/ 0 h 717457"/>
+                </a:gdLst>
+                <a:ahLst/>
+                <a:cxnLst>
+                  <a:cxn ang="0">
+                    <a:pos x="connsiteX0" y="connsiteY0"/>
+                  </a:cxn>
+                  <a:cxn ang="0">
+                    <a:pos x="connsiteX1" y="connsiteY1"/>
+                  </a:cxn>
+                  <a:cxn ang="0">
+                    <a:pos x="connsiteX2" y="connsiteY2"/>
+                  </a:cxn>
+                  <a:cxn ang="0">
+                    <a:pos x="connsiteX3" y="connsiteY3"/>
+                  </a:cxn>
+                  <a:cxn ang="0">
+                    <a:pos x="connsiteX4" y="connsiteY4"/>
+                  </a:cxn>
+                </a:cxnLst>
+                <a:rect l="l" t="t" r="r" b="b"/>
+                <a:pathLst>
+                  <a:path w="5029200" h="717457">
+                    <a:moveTo>
+                      <a:pt x="0" y="0"/>
+                    </a:moveTo>
+                    <a:cubicBezTo>
+                      <a:pt x="423635" y="107043"/>
+                      <a:pt x="783771" y="540657"/>
+                      <a:pt x="1295400" y="653143"/>
+                    </a:cubicBezTo>
+                    <a:cubicBezTo>
+                      <a:pt x="1807029" y="765629"/>
+                      <a:pt x="3069772" y="674914"/>
+                      <a:pt x="3069772" y="674914"/>
+                    </a:cubicBezTo>
+                    <a:cubicBezTo>
+                      <a:pt x="3514272" y="676728"/>
+                      <a:pt x="3635829" y="776515"/>
+                      <a:pt x="3962400" y="664029"/>
+                    </a:cubicBezTo>
+                    <a:cubicBezTo>
+                      <a:pt x="4288971" y="551543"/>
+                      <a:pt x="4815114" y="43543"/>
+                      <a:pt x="5029200" y="0"/>
+                    </a:cubicBezTo>
+                  </a:path>
+                </a:pathLst>
+              </a:custGeom>
+              <a:noFill/>
+              <a:ln w="12700">
+                <a:solidFill>
+                  <a:schemeClr val="tx1"/>
+                </a:solidFill>
+              </a:ln>
+            </p:spPr>
+            <p:style>
+              <a:lnRef idx="2">
+                <a:schemeClr val="accent1">
+                  <a:shade val="50000"/>
+                </a:schemeClr>
+              </a:lnRef>
+              <a:fillRef idx="1">
+                <a:schemeClr val="accent1"/>
+              </a:fillRef>
+              <a:effectRef idx="0">
+                <a:schemeClr val="accent1"/>
+              </a:effectRef>
+              <a:fontRef idx="minor">
+                <a:schemeClr val="lt1"/>
+              </a:fontRef>
+            </p:style>
+            <p:txBody>
+              <a:bodyPr rtlCol="0" anchor="ctr"/>
+              <a:lstStyle/>
+              <a:p>
+                <a:pPr algn="ctr"/>
+                <a:endParaRPr lang="en-US"/>
+              </a:p>
+            </p:txBody>
+          </p:sp>
+        </p:grpSp>
+        <p:cxnSp>
+          <p:nvCxnSpPr>
+            <p:cNvPr id="63" name="Straight Arrow Connector 62"/>
+            <p:cNvCxnSpPr/>
+            <p:nvPr/>
+          </p:nvCxnSpPr>
+          <p:spPr>
+            <a:xfrm flipH="1">
+              <a:off x="5681949" y="1596156"/>
+              <a:ext cx="479365" cy="0"/>
+            </a:xfrm>
+            <a:prstGeom prst="straightConnector1">
+              <a:avLst/>
+            </a:prstGeom>
+            <a:ln w="38100">
+              <a:solidFill>
+                <a:schemeClr val="tx1"/>
+              </a:solidFill>
+              <a:tailEnd type="triangle"/>
+            </a:ln>
+          </p:spPr>
+          <p:style>
+            <a:lnRef idx="1">
+              <a:schemeClr val="accent1"/>
+            </a:lnRef>
+            <a:fillRef idx="0">
+              <a:schemeClr val="accent1"/>
+            </a:fillRef>
+            <a:effectRef idx="0">
+              <a:schemeClr val="accent1"/>
+            </a:effectRef>
+            <a:fontRef idx="minor">
+              <a:schemeClr val="tx1"/>
+            </a:fontRef>
+          </p:style>
+        </p:cxnSp>
+        <p:grpSp>
+          <p:nvGrpSpPr>
+            <p:cNvPr id="73" name="Group 72"/>
+            <p:cNvGrpSpPr/>
+            <p:nvPr/>
+          </p:nvGrpSpPr>
+          <p:grpSpPr>
+            <a:xfrm rot="1564854">
+              <a:off x="5775039" y="1002374"/>
+              <a:ext cx="226739" cy="132896"/>
+              <a:chOff x="7913914" y="2917371"/>
+              <a:chExt cx="609600" cy="805543"/>
+            </a:xfrm>
+          </p:grpSpPr>
+          <p:cxnSp>
+            <p:nvCxnSpPr>
+              <p:cNvPr id="68" name="Straight Connector 67"/>
+              <p:cNvCxnSpPr/>
+              <p:nvPr/>
+            </p:nvCxnSpPr>
+            <p:spPr>
+              <a:xfrm flipH="1">
+                <a:off x="7913914" y="2917371"/>
+                <a:ext cx="609600" cy="468086"/>
+              </a:xfrm>
+              <a:prstGeom prst="line">
+                <a:avLst/>
+              </a:prstGeom>
+              <a:ln w="12700">
+                <a:solidFill>
+                  <a:schemeClr val="tx1"/>
+                </a:solidFill>
+              </a:ln>
+            </p:spPr>
+            <p:style>
+              <a:lnRef idx="1">
+                <a:schemeClr val="accent1"/>
+              </a:lnRef>
+              <a:fillRef idx="0">
+                <a:schemeClr val="accent1"/>
+              </a:fillRef>
+              <a:effectRef idx="0">
+                <a:schemeClr val="accent1"/>
+              </a:effectRef>
+              <a:fontRef idx="minor">
+                <a:schemeClr val="tx1"/>
+              </a:fontRef>
+            </p:style>
+          </p:cxnSp>
+          <p:cxnSp>
+            <p:nvCxnSpPr>
+              <p:cNvPr id="69" name="Straight Connector 68"/>
+              <p:cNvCxnSpPr/>
+              <p:nvPr/>
+            </p:nvCxnSpPr>
+            <p:spPr>
+              <a:xfrm flipH="1" flipV="1">
+                <a:off x="7913914" y="3385457"/>
+                <a:ext cx="609600" cy="337457"/>
+              </a:xfrm>
+              <a:prstGeom prst="line">
+                <a:avLst/>
+              </a:prstGeom>
+              <a:ln w="12700">
+                <a:solidFill>
+                  <a:schemeClr val="tx1"/>
+                </a:solidFill>
+              </a:ln>
+            </p:spPr>
+            <p:style>
+              <a:lnRef idx="1">
+                <a:schemeClr val="accent1"/>
+              </a:lnRef>
+              <a:fillRef idx="0">
+                <a:schemeClr val="accent1"/>
+              </a:fillRef>
+              <a:effectRef idx="0">
+                <a:schemeClr val="accent1"/>
+              </a:effectRef>
+              <a:fontRef idx="minor">
+                <a:schemeClr val="tx1"/>
+              </a:fontRef>
+            </p:style>
+          </p:cxnSp>
+        </p:grpSp>
+        <p:grpSp>
+          <p:nvGrpSpPr>
+            <p:cNvPr id="74" name="Group 73"/>
+            <p:cNvGrpSpPr/>
+            <p:nvPr/>
+          </p:nvGrpSpPr>
+          <p:grpSpPr>
+            <a:xfrm rot="613620">
+              <a:off x="5748762" y="1269517"/>
+              <a:ext cx="226739" cy="132896"/>
+              <a:chOff x="7913914" y="2917371"/>
+              <a:chExt cx="609600" cy="805543"/>
+            </a:xfrm>
+          </p:grpSpPr>
+          <p:cxnSp>
+            <p:nvCxnSpPr>
+              <p:cNvPr id="75" name="Straight Connector 74"/>
+              <p:cNvCxnSpPr/>
+              <p:nvPr/>
+            </p:nvCxnSpPr>
+            <p:spPr>
+              <a:xfrm flipH="1">
+                <a:off x="7913914" y="2917371"/>
+                <a:ext cx="609600" cy="468086"/>
+              </a:xfrm>
+              <a:prstGeom prst="line">
+                <a:avLst/>
+              </a:prstGeom>
+              <a:ln w="12700">
+                <a:solidFill>
+                  <a:schemeClr val="tx1"/>
+                </a:solidFill>
+              </a:ln>
+            </p:spPr>
+            <p:style>
+              <a:lnRef idx="1">
+                <a:schemeClr val="accent1"/>
+              </a:lnRef>
+              <a:fillRef idx="0">
+                <a:schemeClr val="accent1"/>
+              </a:fillRef>
+              <a:effectRef idx="0">
+                <a:schemeClr val="accent1"/>
+              </a:effectRef>
+              <a:fontRef idx="minor">
+                <a:schemeClr val="tx1"/>
+              </a:fontRef>
+            </p:style>
+          </p:cxnSp>
+          <p:cxnSp>
+            <p:nvCxnSpPr>
+              <p:cNvPr id="76" name="Straight Connector 75"/>
+              <p:cNvCxnSpPr/>
+              <p:nvPr/>
+            </p:nvCxnSpPr>
+            <p:spPr>
+              <a:xfrm flipH="1" flipV="1">
+                <a:off x="7913914" y="3385457"/>
+                <a:ext cx="609600" cy="337457"/>
+              </a:xfrm>
+              <a:prstGeom prst="line">
+                <a:avLst/>
+              </a:prstGeom>
+              <a:ln w="12700">
+                <a:solidFill>
+                  <a:schemeClr val="tx1"/>
+                </a:solidFill>
+              </a:ln>
+            </p:spPr>
+            <p:style>
+              <a:lnRef idx="1">
+                <a:schemeClr val="accent1"/>
+              </a:lnRef>
+              <a:fillRef idx="0">
+                <a:schemeClr val="accent1"/>
+              </a:fillRef>
+              <a:effectRef idx="0">
+                <a:schemeClr val="accent1"/>
+              </a:effectRef>
+              <a:fontRef idx="minor">
+                <a:schemeClr val="tx1"/>
+              </a:fontRef>
+            </p:style>
+          </p:cxnSp>
+        </p:grpSp>
+        <p:grpSp>
+          <p:nvGrpSpPr>
+            <p:cNvPr id="77" name="Group 76"/>
+            <p:cNvGrpSpPr/>
+            <p:nvPr/>
+          </p:nvGrpSpPr>
+          <p:grpSpPr>
+            <a:xfrm>
+              <a:off x="5368677" y="1542876"/>
+              <a:ext cx="226739" cy="132896"/>
+              <a:chOff x="7913914" y="2917371"/>
+              <a:chExt cx="609600" cy="805543"/>
+            </a:xfrm>
+          </p:grpSpPr>
+          <p:cxnSp>
+            <p:nvCxnSpPr>
+              <p:cNvPr id="78" name="Straight Connector 77"/>
+              <p:cNvCxnSpPr/>
+              <p:nvPr/>
+            </p:nvCxnSpPr>
+            <p:spPr>
+              <a:xfrm flipH="1">
+                <a:off x="7913914" y="2917371"/>
+                <a:ext cx="609600" cy="468086"/>
+              </a:xfrm>
+              <a:prstGeom prst="line">
+                <a:avLst/>
+              </a:prstGeom>
+              <a:ln w="12700">
+                <a:solidFill>
+                  <a:schemeClr val="tx1"/>
+                </a:solidFill>
+              </a:ln>
+            </p:spPr>
+            <p:style>
+              <a:lnRef idx="1">
+                <a:schemeClr val="accent1"/>
+              </a:lnRef>
+              <a:fillRef idx="0">
+                <a:schemeClr val="accent1"/>
+              </a:fillRef>
+              <a:effectRef idx="0">
+                <a:schemeClr val="accent1"/>
+              </a:effectRef>
+              <a:fontRef idx="minor">
+                <a:schemeClr val="tx1"/>
+              </a:fontRef>
+            </p:style>
+          </p:cxnSp>
+          <p:cxnSp>
+            <p:nvCxnSpPr>
+              <p:cNvPr id="79" name="Straight Connector 78"/>
+              <p:cNvCxnSpPr/>
+              <p:nvPr/>
+            </p:nvCxnSpPr>
+            <p:spPr>
+              <a:xfrm flipH="1" flipV="1">
+                <a:off x="7913914" y="3385457"/>
+                <a:ext cx="609600" cy="337457"/>
+              </a:xfrm>
+              <a:prstGeom prst="line">
+                <a:avLst/>
+              </a:prstGeom>
+              <a:ln w="12700">
+                <a:solidFill>
+                  <a:schemeClr val="tx1"/>
+                </a:solidFill>
+              </a:ln>
+            </p:spPr>
+            <p:style>
+              <a:lnRef idx="1">
+                <a:schemeClr val="accent1"/>
+              </a:lnRef>
+              <a:fillRef idx="0">
+                <a:schemeClr val="accent1"/>
+              </a:fillRef>
+              <a:effectRef idx="0">
+                <a:schemeClr val="accent1"/>
+              </a:effectRef>
+              <a:fontRef idx="minor">
+                <a:schemeClr val="tx1"/>
+              </a:fontRef>
+            </p:style>
+          </p:cxnSp>
+        </p:grpSp>
+        <p:grpSp>
+          <p:nvGrpSpPr>
+            <p:cNvPr id="80" name="Group 79"/>
+            <p:cNvGrpSpPr/>
+            <p:nvPr/>
+          </p:nvGrpSpPr>
+          <p:grpSpPr>
+            <a:xfrm rot="20772040">
+              <a:off x="5769004" y="1736409"/>
+              <a:ext cx="226739" cy="132896"/>
+              <a:chOff x="7913914" y="2917371"/>
+              <a:chExt cx="609600" cy="805543"/>
+            </a:xfrm>
+          </p:grpSpPr>
+          <p:cxnSp>
+            <p:nvCxnSpPr>
+              <p:cNvPr id="81" name="Straight Connector 80"/>
+              <p:cNvCxnSpPr/>
+              <p:nvPr/>
+            </p:nvCxnSpPr>
+            <p:spPr>
+              <a:xfrm flipH="1">
+                <a:off x="7913914" y="2917371"/>
+                <a:ext cx="609600" cy="468086"/>
+              </a:xfrm>
+              <a:prstGeom prst="line">
+                <a:avLst/>
+              </a:prstGeom>
+              <a:ln w="12700">
+                <a:solidFill>
+                  <a:schemeClr val="tx1"/>
+                </a:solidFill>
+              </a:ln>
+            </p:spPr>
+            <p:style>
+              <a:lnRef idx="1">
+                <a:schemeClr val="accent1"/>
+              </a:lnRef>
+              <a:fillRef idx="0">
+                <a:schemeClr val="accent1"/>
+              </a:fillRef>
+              <a:effectRef idx="0">
+                <a:schemeClr val="accent1"/>
+              </a:effectRef>
+              <a:fontRef idx="minor">
+                <a:schemeClr val="tx1"/>
+              </a:fontRef>
+            </p:style>
+          </p:cxnSp>
+          <p:cxnSp>
+            <p:nvCxnSpPr>
+              <p:cNvPr id="82" name="Straight Connector 81"/>
+              <p:cNvCxnSpPr/>
+              <p:nvPr/>
+            </p:nvCxnSpPr>
+            <p:spPr>
+              <a:xfrm flipH="1" flipV="1">
+                <a:off x="7913914" y="3385457"/>
+                <a:ext cx="609600" cy="337457"/>
+              </a:xfrm>
+              <a:prstGeom prst="line">
+                <a:avLst/>
+              </a:prstGeom>
+              <a:ln w="12700">
+                <a:solidFill>
+                  <a:schemeClr val="tx1"/>
+                </a:solidFill>
+              </a:ln>
+            </p:spPr>
+            <p:style>
+              <a:lnRef idx="1">
+                <a:schemeClr val="accent1"/>
+              </a:lnRef>
+              <a:fillRef idx="0">
+                <a:schemeClr val="accent1"/>
+              </a:fillRef>
+              <a:effectRef idx="0">
+                <a:schemeClr val="accent1"/>
+              </a:effectRef>
+              <a:fontRef idx="minor">
+                <a:schemeClr val="tx1"/>
+              </a:fontRef>
+            </p:style>
+          </p:cxnSp>
+        </p:grpSp>
+        <p:grpSp>
+          <p:nvGrpSpPr>
+            <p:cNvPr id="83" name="Group 82"/>
+            <p:cNvGrpSpPr/>
+            <p:nvPr/>
+          </p:nvGrpSpPr>
+          <p:grpSpPr>
+            <a:xfrm rot="19338728">
+              <a:off x="5856038" y="1956780"/>
+              <a:ext cx="226739" cy="132896"/>
+              <a:chOff x="7913914" y="2917371"/>
+              <a:chExt cx="609600" cy="805543"/>
+            </a:xfrm>
+          </p:grpSpPr>
+          <p:cxnSp>
+            <p:nvCxnSpPr>
+              <p:cNvPr id="84" name="Straight Connector 83"/>
+              <p:cNvCxnSpPr/>
+              <p:nvPr/>
+            </p:nvCxnSpPr>
+            <p:spPr>
+              <a:xfrm flipH="1">
+                <a:off x="7913914" y="2917371"/>
+                <a:ext cx="609600" cy="468086"/>
+              </a:xfrm>
+              <a:prstGeom prst="line">
+                <a:avLst/>
+              </a:prstGeom>
+              <a:ln w="12700">
+                <a:solidFill>
+                  <a:schemeClr val="tx1"/>
+                </a:solidFill>
+              </a:ln>
+            </p:spPr>
+            <p:style>
+              <a:lnRef idx="1">
+                <a:schemeClr val="accent1"/>
+              </a:lnRef>
+              <a:fillRef idx="0">
+                <a:schemeClr val="accent1"/>
+              </a:fillRef>
+              <a:effectRef idx="0">
+                <a:schemeClr val="accent1"/>
+              </a:effectRef>
+              <a:fontRef idx="minor">
+                <a:schemeClr val="tx1"/>
+              </a:fontRef>
+            </p:style>
+          </p:cxnSp>
+          <p:cxnSp>
+            <p:nvCxnSpPr>
+              <p:cNvPr id="85" name="Straight Connector 84"/>
+              <p:cNvCxnSpPr/>
+              <p:nvPr/>
+            </p:nvCxnSpPr>
+            <p:spPr>
+              <a:xfrm flipH="1" flipV="1">
+                <a:off x="7913914" y="3385457"/>
+                <a:ext cx="609600" cy="337457"/>
+              </a:xfrm>
+              <a:prstGeom prst="line">
+                <a:avLst/>
+              </a:prstGeom>
+              <a:ln w="12700">
+                <a:solidFill>
+                  <a:schemeClr val="tx1"/>
+                </a:solidFill>
+              </a:ln>
+            </p:spPr>
+            <p:style>
+              <a:lnRef idx="1">
+                <a:schemeClr val="accent1"/>
+              </a:lnRef>
+              <a:fillRef idx="0">
+                <a:schemeClr val="accent1"/>
+              </a:fillRef>
+              <a:effectRef idx="0">
+                <a:schemeClr val="accent1"/>
+              </a:effectRef>
+              <a:fontRef idx="minor">
+                <a:schemeClr val="tx1"/>
+              </a:fontRef>
+            </p:style>
+          </p:cxnSp>
+        </p:grpSp>
+      </p:grpSp>
+      <p:grpSp>
+        <p:nvGrpSpPr>
+          <p:cNvPr id="118" name="Group 117"/>
+          <p:cNvGrpSpPr/>
+          <p:nvPr/>
+        </p:nvGrpSpPr>
+        <p:grpSpPr>
+          <a:xfrm>
+            <a:off x="1988594" y="3209469"/>
+            <a:ext cx="5457636" cy="3062177"/>
+            <a:chOff x="1988594" y="3209469"/>
+            <a:chExt cx="5457636" cy="3062177"/>
+          </a:xfrm>
+        </p:grpSpPr>
+        <p:grpSp>
+          <p:nvGrpSpPr>
+            <p:cNvPr id="114" name="Group 113"/>
+            <p:cNvGrpSpPr/>
+            <p:nvPr/>
+          </p:nvGrpSpPr>
+          <p:grpSpPr>
+            <a:xfrm>
+              <a:off x="1988594" y="3209469"/>
+              <a:ext cx="5457636" cy="3062177"/>
+              <a:chOff x="1988594" y="3209469"/>
+              <a:chExt cx="5457636" cy="3062177"/>
+            </a:xfrm>
+          </p:grpSpPr>
+          <p:grpSp>
+            <p:nvGrpSpPr>
+              <p:cNvPr id="57" name="Group 56"/>
+              <p:cNvGrpSpPr/>
+              <p:nvPr/>
+            </p:nvGrpSpPr>
+            <p:grpSpPr>
+              <a:xfrm>
+                <a:off x="4364989" y="3209469"/>
+                <a:ext cx="504586" cy="3062177"/>
+                <a:chOff x="9831571" y="1558741"/>
+                <a:chExt cx="504586" cy="3062177"/>
+              </a:xfrm>
+            </p:grpSpPr>
+            <p:sp>
+              <p:nvSpPr>
+                <p:cNvPr id="58" name="Arc 57"/>
+                <p:cNvSpPr/>
+                <p:nvPr/>
+              </p:nvSpPr>
+              <p:spPr>
+                <a:xfrm>
+                  <a:off x="9854608" y="1558741"/>
+                  <a:ext cx="481549" cy="3051544"/>
+                </a:xfrm>
+                <a:prstGeom prst="arc">
+                  <a:avLst>
+                    <a:gd name="adj1" fmla="val 16200000"/>
+                    <a:gd name="adj2" fmla="val 5342088"/>
+                  </a:avLst>
+                </a:prstGeom>
+                <a:ln w="38100">
+                  <a:solidFill>
+                    <a:schemeClr val="tx1"/>
+                  </a:solidFill>
+                  <a:prstDash val="dash"/>
+                </a:ln>
+              </p:spPr>
+              <p:style>
+                <a:lnRef idx="1">
+                  <a:schemeClr val="accent1"/>
+                </a:lnRef>
+                <a:fillRef idx="0">
+                  <a:schemeClr val="accent1"/>
+                </a:fillRef>
+                <a:effectRef idx="0">
+                  <a:schemeClr val="accent1"/>
+                </a:effectRef>
+                <a:fontRef idx="minor">
+                  <a:schemeClr val="tx1"/>
+                </a:fontRef>
+              </p:style>
+              <p:txBody>
+                <a:bodyPr rtlCol="0" anchor="ctr"/>
+                <a:lstStyle/>
+                <a:p>
+                  <a:pPr algn="ctr"/>
+                  <a:endParaRPr lang="en-US"/>
+                </a:p>
+              </p:txBody>
+            </p:sp>
+            <p:sp>
+              <p:nvSpPr>
+                <p:cNvPr id="59" name="Arc 58"/>
+                <p:cNvSpPr/>
+                <p:nvPr/>
+              </p:nvSpPr>
+              <p:spPr>
+                <a:xfrm>
+                  <a:off x="9831571" y="1569374"/>
+                  <a:ext cx="481549" cy="3051544"/>
+                </a:xfrm>
+                <a:prstGeom prst="arc">
+                  <a:avLst>
+                    <a:gd name="adj1" fmla="val 5305153"/>
+                    <a:gd name="adj2" fmla="val 16224316"/>
+                  </a:avLst>
+                </a:prstGeom>
+                <a:ln w="38100">
+                  <a:solidFill>
+                    <a:schemeClr val="tx1"/>
+                  </a:solidFill>
+                </a:ln>
+              </p:spPr>
+              <p:style>
+                <a:lnRef idx="1">
+                  <a:schemeClr val="accent1"/>
+                </a:lnRef>
+                <a:fillRef idx="0">
+                  <a:schemeClr val="accent1"/>
+                </a:fillRef>
+                <a:effectRef idx="0">
+                  <a:schemeClr val="accent1"/>
+                </a:effectRef>
+                <a:fontRef idx="minor">
+                  <a:schemeClr val="tx1"/>
+                </a:fontRef>
+              </p:style>
+              <p:txBody>
+                <a:bodyPr rtlCol="0" anchor="ctr"/>
+                <a:lstStyle/>
+                <a:p>
+                  <a:pPr algn="ctr"/>
+                  <a:endParaRPr lang="en-US"/>
+                </a:p>
+              </p:txBody>
+            </p:sp>
+          </p:grpSp>
+          <p:grpSp>
+            <p:nvGrpSpPr>
+              <p:cNvPr id="87" name="Group 86"/>
+              <p:cNvGrpSpPr/>
+              <p:nvPr/>
+            </p:nvGrpSpPr>
+            <p:grpSpPr>
+              <a:xfrm>
+                <a:off x="1988594" y="3844696"/>
+                <a:ext cx="5457636" cy="1802356"/>
+                <a:chOff x="4989156" y="674911"/>
+                <a:chExt cx="5457636" cy="1802356"/>
+              </a:xfrm>
+            </p:grpSpPr>
+            <p:grpSp>
+              <p:nvGrpSpPr>
+                <p:cNvPr id="88" name="Group 87"/>
+                <p:cNvGrpSpPr/>
+                <p:nvPr/>
+              </p:nvGrpSpPr>
+              <p:grpSpPr>
+                <a:xfrm>
+                  <a:off x="4989156" y="674911"/>
+                  <a:ext cx="5457636" cy="1802356"/>
+                  <a:chOff x="4528457" y="2807108"/>
+                  <a:chExt cx="5457636" cy="1802356"/>
+                </a:xfrm>
+              </p:grpSpPr>
+              <p:grpSp>
+                <p:nvGrpSpPr>
+                  <p:cNvPr id="105" name="Group 104"/>
+                  <p:cNvGrpSpPr/>
+                  <p:nvPr/>
+                </p:nvGrpSpPr>
+                <p:grpSpPr>
+                  <a:xfrm>
+                    <a:off x="5909394" y="3558137"/>
+                    <a:ext cx="2670110" cy="307778"/>
+                    <a:chOff x="2208251" y="4276594"/>
+                    <a:chExt cx="2670110" cy="307778"/>
+                  </a:xfrm>
+                </p:grpSpPr>
+                <mc:AlternateContent xmlns:mc="http://schemas.openxmlformats.org/markup-compatibility/2006">
+                  <mc:Choice xmlns:a14="http://schemas.microsoft.com/office/drawing/2010/main" Requires="a14">
+                    <p:sp>
+                      <p:nvSpPr>
+                        <p:cNvPr id="112" name="TextBox 111"/>
+                        <p:cNvSpPr txBox="1"/>
+                        <p:nvPr/>
+                      </p:nvSpPr>
+                      <p:spPr>
+                        <a:xfrm>
+                          <a:off x="2208251" y="4276595"/>
+                          <a:ext cx="394995" cy="307777"/>
+                        </a:xfrm>
+                        <a:prstGeom prst="rect">
+                          <a:avLst/>
+                        </a:prstGeom>
+                        <a:noFill/>
+                      </p:spPr>
+                      <p:txBody>
+                        <a:bodyPr wrap="square" lIns="0" tIns="0" rIns="0" bIns="0" rtlCol="0">
+                          <a:spAutoFit/>
+                        </a:bodyPr>
+                        <a:lstStyle/>
+                        <a:p>
+                          <a14:m>
+                            <m:oMathPara xmlns:m="http://schemas.openxmlformats.org/officeDocument/2006/math">
+                              <m:oMathParaPr>
+                                <m:jc m:val="centerGroup"/>
+                              </m:oMathParaPr>
+                              <m:oMath xmlns:m="http://schemas.openxmlformats.org/officeDocument/2006/math">
+                                <m:r>
+                                  <a:rPr lang="en-US" sz="2000" b="0" i="1" smtClean="0">
+                                    <a:latin typeface="Cambria Math" panose="02040503050406030204" pitchFamily="18" charset="0"/>
+                                    <a:cs typeface="Arial" panose="020B0604020202020204" pitchFamily="34" charset="0"/>
+                                  </a:rPr>
+                                  <m:t>𝑁</m:t>
+                                </m:r>
+                              </m:oMath>
+                            </m:oMathPara>
+                          </a14:m>
+                          <a:endParaRPr lang="en-US" sz="2000" dirty="0" smtClean="0">
+                            <a:latin typeface="Arial" panose="020B0604020202020204" pitchFamily="34" charset="0"/>
+                            <a:cs typeface="Arial" panose="020B0604020202020204" pitchFamily="34" charset="0"/>
+                          </a:endParaRPr>
+                        </a:p>
+                      </p:txBody>
+                    </p:sp>
+                  </mc:Choice>
+                  <mc:Fallback>
+                    <p:sp>
+                      <p:nvSpPr>
+                        <p:cNvPr id="112" name="TextBox 111"/>
+                        <p:cNvSpPr txBox="1">
+                          <a:spLocks noRot="1" noChangeAspect="1" noMove="1" noResize="1" noEditPoints="1" noAdjustHandles="1" noChangeArrowheads="1" noChangeShapeType="1" noTextEdit="1"/>
+                        </p:cNvSpPr>
+                        <p:nvPr/>
+                      </p:nvSpPr>
+                      <p:spPr>
+                        <a:xfrm>
+                          <a:off x="2208251" y="4276595"/>
+                          <a:ext cx="394995" cy="307777"/>
+                        </a:xfrm>
+                        <a:prstGeom prst="rect">
+                          <a:avLst/>
+                        </a:prstGeom>
+                        <a:blipFill>
+                          <a:blip r:embed="rId18"/>
+                          <a:stretch>
+                            <a:fillRect b="-10000"/>
+                          </a:stretch>
+                        </a:blipFill>
+                      </p:spPr>
+                      <p:txBody>
+                        <a:bodyPr/>
+                        <a:lstStyle/>
+                        <a:p>
+                          <a:r>
+                            <a:rPr lang="en-US">
+                              <a:noFill/>
+                            </a:rPr>
+                            <a:t> </a:t>
+                          </a:r>
+                        </a:p>
+                      </p:txBody>
+                    </p:sp>
+                  </mc:Fallback>
+                </mc:AlternateContent>
+                <mc:AlternateContent xmlns:mc="http://schemas.openxmlformats.org/markup-compatibility/2006">
+                  <mc:Choice xmlns:a14="http://schemas.microsoft.com/office/drawing/2010/main" Requires="a14">
+                    <p:sp>
+                      <p:nvSpPr>
+                        <p:cNvPr id="113" name="TextBox 112"/>
+                        <p:cNvSpPr txBox="1"/>
+                        <p:nvPr/>
+                      </p:nvSpPr>
+                      <p:spPr>
+                        <a:xfrm>
+                          <a:off x="4483366" y="4276594"/>
+                          <a:ext cx="394995" cy="307777"/>
+                        </a:xfrm>
+                        <a:prstGeom prst="rect">
+                          <a:avLst/>
+                        </a:prstGeom>
+                        <a:noFill/>
+                      </p:spPr>
+                      <p:txBody>
+                        <a:bodyPr wrap="square" lIns="0" tIns="0" rIns="0" bIns="0" rtlCol="0">
+                          <a:spAutoFit/>
+                        </a:bodyPr>
+                        <a:lstStyle/>
+                        <a:p>
+                          <a14:m>
+                            <m:oMathPara xmlns:m="http://schemas.openxmlformats.org/officeDocument/2006/math">
+                              <m:oMathParaPr>
+                                <m:jc m:val="centerGroup"/>
+                              </m:oMathParaPr>
+                              <m:oMath xmlns:m="http://schemas.openxmlformats.org/officeDocument/2006/math">
+                                <m:r>
+                                  <a:rPr lang="en-US" sz="2000" b="0" i="1" smtClean="0">
+                                    <a:latin typeface="Cambria Math" panose="02040503050406030204" pitchFamily="18" charset="0"/>
+                                    <a:cs typeface="Arial" panose="020B0604020202020204" pitchFamily="34" charset="0"/>
+                                  </a:rPr>
+                                  <m:t>𝑆</m:t>
+                                </m:r>
+                              </m:oMath>
+                            </m:oMathPara>
+                          </a14:m>
+                          <a:endParaRPr lang="en-US" sz="2000" dirty="0" smtClean="0">
+                            <a:latin typeface="Arial" panose="020B0604020202020204" pitchFamily="34" charset="0"/>
+                            <a:cs typeface="Arial" panose="020B0604020202020204" pitchFamily="34" charset="0"/>
+                          </a:endParaRPr>
+                        </a:p>
+                      </p:txBody>
+                    </p:sp>
+                  </mc:Choice>
+                  <mc:Fallback>
+                    <p:sp>
+                      <p:nvSpPr>
+                        <p:cNvPr id="113" name="TextBox 112"/>
+                        <p:cNvSpPr txBox="1">
+                          <a:spLocks noRot="1" noChangeAspect="1" noMove="1" noResize="1" noEditPoints="1" noAdjustHandles="1" noChangeArrowheads="1" noChangeShapeType="1" noTextEdit="1"/>
+                        </p:cNvSpPr>
+                        <p:nvPr/>
+                      </p:nvSpPr>
+                      <p:spPr>
+                        <a:xfrm>
+                          <a:off x="4483366" y="4276594"/>
+                          <a:ext cx="394995" cy="307777"/>
+                        </a:xfrm>
+                        <a:prstGeom prst="rect">
+                          <a:avLst/>
+                        </a:prstGeom>
+                        <a:blipFill>
+                          <a:blip r:embed="rId19"/>
+                          <a:stretch>
+                            <a:fillRect b="-10000"/>
+                          </a:stretch>
+                        </a:blipFill>
+                      </p:spPr>
+                      <p:txBody>
+                        <a:bodyPr/>
+                        <a:lstStyle/>
+                        <a:p>
+                          <a:r>
+                            <a:rPr lang="en-US">
+                              <a:noFill/>
+                            </a:rPr>
+                            <a:t> </a:t>
+                          </a:r>
+                        </a:p>
+                      </p:txBody>
+                    </p:sp>
+                  </mc:Fallback>
+                </mc:AlternateContent>
+              </p:grpSp>
+              <p:cxnSp>
+                <p:nvCxnSpPr>
+                  <p:cNvPr id="106" name="Straight Connector 105"/>
+                  <p:cNvCxnSpPr/>
+                  <p:nvPr/>
+                </p:nvCxnSpPr>
+                <p:spPr>
+                  <a:xfrm flipV="1">
+                    <a:off x="4586779" y="3712025"/>
+                    <a:ext cx="5388429" cy="32657"/>
+                  </a:xfrm>
+                  <a:prstGeom prst="line">
+                    <a:avLst/>
+                  </a:prstGeom>
+                  <a:ln w="9525">
+                    <a:solidFill>
+                      <a:schemeClr val="tx1"/>
+                    </a:solidFill>
+                  </a:ln>
+                </p:spPr>
+                <p:style>
+                  <a:lnRef idx="1">
+                    <a:schemeClr val="accent1"/>
+                  </a:lnRef>
+                  <a:fillRef idx="0">
+                    <a:schemeClr val="accent1"/>
+                  </a:fillRef>
+                  <a:effectRef idx="0">
+                    <a:schemeClr val="accent1"/>
+                  </a:effectRef>
+                  <a:fontRef idx="minor">
+                    <a:schemeClr val="tx1"/>
+                  </a:fontRef>
+                </p:style>
+              </p:cxnSp>
+              <p:sp>
+                <p:nvSpPr>
+                  <p:cNvPr id="107" name="Freeform 106"/>
+                  <p:cNvSpPr/>
+                  <p:nvPr/>
+                </p:nvSpPr>
+                <p:spPr>
+                  <a:xfrm>
+                    <a:off x="4528457" y="3287486"/>
+                    <a:ext cx="5399314" cy="295315"/>
+                  </a:xfrm>
+                  <a:custGeom>
+                    <a:avLst/>
+                    <a:gdLst>
+                      <a:gd name="connsiteX0" fmla="*/ 0 w 5399314"/>
+                      <a:gd name="connsiteY0" fmla="*/ 0 h 295315"/>
+                      <a:gd name="connsiteX1" fmla="*/ 1371600 w 5399314"/>
+                      <a:gd name="connsiteY1" fmla="*/ 261257 h 295315"/>
+                      <a:gd name="connsiteX2" fmla="*/ 3145972 w 5399314"/>
+                      <a:gd name="connsiteY2" fmla="*/ 283028 h 295315"/>
+                      <a:gd name="connsiteX3" fmla="*/ 4038600 w 5399314"/>
+                      <a:gd name="connsiteY3" fmla="*/ 272143 h 295315"/>
+                      <a:gd name="connsiteX4" fmla="*/ 5399314 w 5399314"/>
+                      <a:gd name="connsiteY4" fmla="*/ 21771 h 295315"/>
+                    </a:gdLst>
+                    <a:ahLst/>
+                    <a:cxnLst>
+                      <a:cxn ang="0">
+                        <a:pos x="connsiteX0" y="connsiteY0"/>
+                      </a:cxn>
+                      <a:cxn ang="0">
+                        <a:pos x="connsiteX1" y="connsiteY1"/>
+                      </a:cxn>
+                      <a:cxn ang="0">
+                        <a:pos x="connsiteX2" y="connsiteY2"/>
+                      </a:cxn>
+                      <a:cxn ang="0">
+                        <a:pos x="connsiteX3" y="connsiteY3"/>
+                      </a:cxn>
+                      <a:cxn ang="0">
+                        <a:pos x="connsiteX4" y="connsiteY4"/>
+                      </a:cxn>
+                    </a:cxnLst>
+                    <a:rect l="l" t="t" r="r" b="b"/>
+                    <a:pathLst>
+                      <a:path w="5399314" h="295315">
+                        <a:moveTo>
+                          <a:pt x="0" y="0"/>
+                        </a:moveTo>
+                        <a:cubicBezTo>
+                          <a:pt x="423635" y="107043"/>
+                          <a:pt x="847271" y="214086"/>
+                          <a:pt x="1371600" y="261257"/>
+                        </a:cubicBezTo>
+                        <a:cubicBezTo>
+                          <a:pt x="1895929" y="308428"/>
+                          <a:pt x="3145972" y="283028"/>
+                          <a:pt x="3145972" y="283028"/>
+                        </a:cubicBezTo>
+                        <a:cubicBezTo>
+                          <a:pt x="3590472" y="284842"/>
+                          <a:pt x="3663043" y="315686"/>
+                          <a:pt x="4038600" y="272143"/>
+                        </a:cubicBezTo>
+                        <a:cubicBezTo>
+                          <a:pt x="4414157" y="228600"/>
+                          <a:pt x="5185228" y="65314"/>
+                          <a:pt x="5399314" y="21771"/>
+                        </a:cubicBezTo>
+                      </a:path>
+                    </a:pathLst>
+                  </a:custGeom>
+                  <a:noFill/>
+                  <a:ln w="12700">
+                    <a:solidFill>
+                      <a:schemeClr val="tx1"/>
+                    </a:solidFill>
+                  </a:ln>
+                </p:spPr>
+                <p:style>
+                  <a:lnRef idx="2">
+                    <a:schemeClr val="accent1">
+                      <a:shade val="50000"/>
+                    </a:schemeClr>
+                  </a:lnRef>
+                  <a:fillRef idx="1">
+                    <a:schemeClr val="accent1"/>
+                  </a:fillRef>
+                  <a:effectRef idx="0">
+                    <a:schemeClr val="accent1"/>
+                  </a:effectRef>
+                  <a:fontRef idx="minor">
+                    <a:schemeClr val="lt1"/>
+                  </a:fontRef>
+                </p:style>
+                <p:txBody>
+                  <a:bodyPr rtlCol="0" anchor="ctr"/>
+                  <a:lstStyle/>
+                  <a:p>
+                    <a:pPr algn="ctr"/>
+                    <a:endParaRPr lang="en-US"/>
+                  </a:p>
+                </p:txBody>
+              </p:sp>
+              <p:sp>
+                <p:nvSpPr>
+                  <p:cNvPr id="108" name="Freeform 107"/>
+                  <p:cNvSpPr/>
+                  <p:nvPr/>
+                </p:nvSpPr>
+                <p:spPr>
+                  <a:xfrm>
+                    <a:off x="4694088" y="2807108"/>
+                    <a:ext cx="5029200" cy="717457"/>
+                  </a:xfrm>
+                  <a:custGeom>
+                    <a:avLst/>
+                    <a:gdLst>
+                      <a:gd name="connsiteX0" fmla="*/ 0 w 5399314"/>
+                      <a:gd name="connsiteY0" fmla="*/ 0 h 295315"/>
+                      <a:gd name="connsiteX1" fmla="*/ 1371600 w 5399314"/>
+                      <a:gd name="connsiteY1" fmla="*/ 261257 h 295315"/>
+                      <a:gd name="connsiteX2" fmla="*/ 3145972 w 5399314"/>
+                      <a:gd name="connsiteY2" fmla="*/ 283028 h 295315"/>
+                      <a:gd name="connsiteX3" fmla="*/ 4038600 w 5399314"/>
+                      <a:gd name="connsiteY3" fmla="*/ 272143 h 295315"/>
+                      <a:gd name="connsiteX4" fmla="*/ 5399314 w 5399314"/>
+                      <a:gd name="connsiteY4" fmla="*/ 21771 h 295315"/>
+                      <a:gd name="connsiteX0" fmla="*/ 0 w 5323114"/>
+                      <a:gd name="connsiteY0" fmla="*/ 0 h 709480"/>
+                      <a:gd name="connsiteX1" fmla="*/ 1295400 w 5323114"/>
+                      <a:gd name="connsiteY1" fmla="*/ 653143 h 709480"/>
+                      <a:gd name="connsiteX2" fmla="*/ 3069772 w 5323114"/>
+                      <a:gd name="connsiteY2" fmla="*/ 674914 h 709480"/>
+                      <a:gd name="connsiteX3" fmla="*/ 3962400 w 5323114"/>
+                      <a:gd name="connsiteY3" fmla="*/ 664029 h 709480"/>
+                      <a:gd name="connsiteX4" fmla="*/ 5323114 w 5323114"/>
+                      <a:gd name="connsiteY4" fmla="*/ 413657 h 709480"/>
+                      <a:gd name="connsiteX0" fmla="*/ 0 w 5029200"/>
+                      <a:gd name="connsiteY0" fmla="*/ 0 h 717457"/>
+                      <a:gd name="connsiteX1" fmla="*/ 1295400 w 5029200"/>
+                      <a:gd name="connsiteY1" fmla="*/ 653143 h 717457"/>
+                      <a:gd name="connsiteX2" fmla="*/ 3069772 w 5029200"/>
+                      <a:gd name="connsiteY2" fmla="*/ 674914 h 717457"/>
+                      <a:gd name="connsiteX3" fmla="*/ 3962400 w 5029200"/>
+                      <a:gd name="connsiteY3" fmla="*/ 664029 h 717457"/>
+                      <a:gd name="connsiteX4" fmla="*/ 5029200 w 5029200"/>
+                      <a:gd name="connsiteY4" fmla="*/ 0 h 717457"/>
+                    </a:gdLst>
+                    <a:ahLst/>
+                    <a:cxnLst>
+                      <a:cxn ang="0">
+                        <a:pos x="connsiteX0" y="connsiteY0"/>
+                      </a:cxn>
+                      <a:cxn ang="0">
+                        <a:pos x="connsiteX1" y="connsiteY1"/>
+                      </a:cxn>
+                      <a:cxn ang="0">
+                        <a:pos x="connsiteX2" y="connsiteY2"/>
+                      </a:cxn>
+                      <a:cxn ang="0">
+                        <a:pos x="connsiteX3" y="connsiteY3"/>
+                      </a:cxn>
+                      <a:cxn ang="0">
+                        <a:pos x="connsiteX4" y="connsiteY4"/>
+                      </a:cxn>
+                    </a:cxnLst>
+                    <a:rect l="l" t="t" r="r" b="b"/>
+                    <a:pathLst>
+                      <a:path w="5029200" h="717457">
+                        <a:moveTo>
+                          <a:pt x="0" y="0"/>
+                        </a:moveTo>
+                        <a:cubicBezTo>
+                          <a:pt x="423635" y="107043"/>
+                          <a:pt x="783771" y="540657"/>
+                          <a:pt x="1295400" y="653143"/>
+                        </a:cubicBezTo>
+                        <a:cubicBezTo>
+                          <a:pt x="1807029" y="765629"/>
+                          <a:pt x="3069772" y="674914"/>
+                          <a:pt x="3069772" y="674914"/>
+                        </a:cubicBezTo>
+                        <a:cubicBezTo>
+                          <a:pt x="3514272" y="676728"/>
+                          <a:pt x="3635829" y="776515"/>
+                          <a:pt x="3962400" y="664029"/>
+                        </a:cubicBezTo>
+                        <a:cubicBezTo>
+                          <a:pt x="4288971" y="551543"/>
+                          <a:pt x="4815114" y="43543"/>
+                          <a:pt x="5029200" y="0"/>
+                        </a:cubicBezTo>
+                      </a:path>
+                    </a:pathLst>
+                  </a:custGeom>
+                  <a:noFill/>
+                  <a:ln w="12700">
+                    <a:solidFill>
+                      <a:schemeClr val="tx1"/>
+                    </a:solidFill>
+                  </a:ln>
+                </p:spPr>
+                <p:style>
+                  <a:lnRef idx="2">
+                    <a:schemeClr val="accent1">
+                      <a:shade val="50000"/>
+                    </a:schemeClr>
+                  </a:lnRef>
+                  <a:fillRef idx="1">
+                    <a:schemeClr val="accent1"/>
+                  </a:fillRef>
+                  <a:effectRef idx="0">
+                    <a:schemeClr val="accent1"/>
+                  </a:effectRef>
+                  <a:fontRef idx="minor">
+                    <a:schemeClr val="lt1"/>
+                  </a:fontRef>
+                </p:style>
+                <p:txBody>
+                  <a:bodyPr rtlCol="0" anchor="ctr"/>
+                  <a:lstStyle/>
+                  <a:p>
+                    <a:pPr algn="ctr"/>
+                    <a:endParaRPr lang="en-US"/>
+                  </a:p>
+                </p:txBody>
+              </p:sp>
+              <p:sp>
+                <p:nvSpPr>
+                  <p:cNvPr id="109" name="Freeform 108"/>
+                  <p:cNvSpPr/>
+                  <p:nvPr/>
+                </p:nvSpPr>
+                <p:spPr>
+                  <a:xfrm flipV="1">
+                    <a:off x="4586779" y="3831149"/>
+                    <a:ext cx="5399314" cy="327978"/>
+                  </a:xfrm>
+                  <a:custGeom>
+                    <a:avLst/>
+                    <a:gdLst>
+                      <a:gd name="connsiteX0" fmla="*/ 0 w 5399314"/>
+                      <a:gd name="connsiteY0" fmla="*/ 0 h 295315"/>
+                      <a:gd name="connsiteX1" fmla="*/ 1371600 w 5399314"/>
+                      <a:gd name="connsiteY1" fmla="*/ 261257 h 295315"/>
+                      <a:gd name="connsiteX2" fmla="*/ 3145972 w 5399314"/>
+                      <a:gd name="connsiteY2" fmla="*/ 283028 h 295315"/>
+                      <a:gd name="connsiteX3" fmla="*/ 4038600 w 5399314"/>
+                      <a:gd name="connsiteY3" fmla="*/ 272143 h 295315"/>
+                      <a:gd name="connsiteX4" fmla="*/ 5399314 w 5399314"/>
+                      <a:gd name="connsiteY4" fmla="*/ 21771 h 295315"/>
+                    </a:gdLst>
+                    <a:ahLst/>
+                    <a:cxnLst>
+                      <a:cxn ang="0">
+                        <a:pos x="connsiteX0" y="connsiteY0"/>
+                      </a:cxn>
+                      <a:cxn ang="0">
+                        <a:pos x="connsiteX1" y="connsiteY1"/>
+                      </a:cxn>
+                      <a:cxn ang="0">
+                        <a:pos x="connsiteX2" y="connsiteY2"/>
+                      </a:cxn>
+                      <a:cxn ang="0">
+                        <a:pos x="connsiteX3" y="connsiteY3"/>
+                      </a:cxn>
+                      <a:cxn ang="0">
+                        <a:pos x="connsiteX4" y="connsiteY4"/>
+                      </a:cxn>
+                    </a:cxnLst>
+                    <a:rect l="l" t="t" r="r" b="b"/>
+                    <a:pathLst>
+                      <a:path w="5399314" h="295315">
+                        <a:moveTo>
+                          <a:pt x="0" y="0"/>
+                        </a:moveTo>
+                        <a:cubicBezTo>
+                          <a:pt x="423635" y="107043"/>
+                          <a:pt x="847271" y="214086"/>
+                          <a:pt x="1371600" y="261257"/>
+                        </a:cubicBezTo>
+                        <a:cubicBezTo>
+                          <a:pt x="1895929" y="308428"/>
+                          <a:pt x="3145972" y="283028"/>
+                          <a:pt x="3145972" y="283028"/>
+                        </a:cubicBezTo>
+                        <a:cubicBezTo>
+                          <a:pt x="3590472" y="284842"/>
+                          <a:pt x="3663043" y="315686"/>
+                          <a:pt x="4038600" y="272143"/>
+                        </a:cubicBezTo>
+                        <a:cubicBezTo>
+                          <a:pt x="4414157" y="228600"/>
+                          <a:pt x="5185228" y="65314"/>
+                          <a:pt x="5399314" y="21771"/>
+                        </a:cubicBezTo>
+                      </a:path>
+                    </a:pathLst>
+                  </a:custGeom>
+                  <a:noFill/>
+                  <a:ln w="12700">
+                    <a:solidFill>
+                      <a:schemeClr val="tx1"/>
+                    </a:solidFill>
+                  </a:ln>
+                </p:spPr>
+                <p:style>
+                  <a:lnRef idx="2">
+                    <a:schemeClr val="accent1">
+                      <a:shade val="50000"/>
+                    </a:schemeClr>
+                  </a:lnRef>
+                  <a:fillRef idx="1">
+                    <a:schemeClr val="accent1"/>
+                  </a:fillRef>
+                  <a:effectRef idx="0">
+                    <a:schemeClr val="accent1"/>
+                  </a:effectRef>
+                  <a:fontRef idx="minor">
+                    <a:schemeClr val="lt1"/>
+                  </a:fontRef>
+                </p:style>
+                <p:txBody>
+                  <a:bodyPr rtlCol="0" anchor="ctr"/>
+                  <a:lstStyle/>
+                  <a:p>
+                    <a:pPr algn="ctr"/>
+                    <a:endParaRPr lang="en-US"/>
+                  </a:p>
+                </p:txBody>
+              </p:sp>
+              <p:sp>
+                <p:nvSpPr>
+                  <p:cNvPr id="110" name="Freeform 109"/>
+                  <p:cNvSpPr/>
+                  <p:nvPr/>
+                </p:nvSpPr>
+                <p:spPr>
+                  <a:xfrm flipV="1">
+                    <a:off x="4713514" y="3899486"/>
+                    <a:ext cx="5029200" cy="709978"/>
+                  </a:xfrm>
+                  <a:custGeom>
+                    <a:avLst/>
+                    <a:gdLst>
+                      <a:gd name="connsiteX0" fmla="*/ 0 w 5399314"/>
+                      <a:gd name="connsiteY0" fmla="*/ 0 h 295315"/>
+                      <a:gd name="connsiteX1" fmla="*/ 1371600 w 5399314"/>
+                      <a:gd name="connsiteY1" fmla="*/ 261257 h 295315"/>
+                      <a:gd name="connsiteX2" fmla="*/ 3145972 w 5399314"/>
+                      <a:gd name="connsiteY2" fmla="*/ 283028 h 295315"/>
+                      <a:gd name="connsiteX3" fmla="*/ 4038600 w 5399314"/>
+                      <a:gd name="connsiteY3" fmla="*/ 272143 h 295315"/>
+                      <a:gd name="connsiteX4" fmla="*/ 5399314 w 5399314"/>
+                      <a:gd name="connsiteY4" fmla="*/ 21771 h 295315"/>
+                      <a:gd name="connsiteX0" fmla="*/ 0 w 5323114"/>
+                      <a:gd name="connsiteY0" fmla="*/ 0 h 709480"/>
+                      <a:gd name="connsiteX1" fmla="*/ 1295400 w 5323114"/>
+                      <a:gd name="connsiteY1" fmla="*/ 653143 h 709480"/>
+                      <a:gd name="connsiteX2" fmla="*/ 3069772 w 5323114"/>
+                      <a:gd name="connsiteY2" fmla="*/ 674914 h 709480"/>
+                      <a:gd name="connsiteX3" fmla="*/ 3962400 w 5323114"/>
+                      <a:gd name="connsiteY3" fmla="*/ 664029 h 709480"/>
+                      <a:gd name="connsiteX4" fmla="*/ 5323114 w 5323114"/>
+                      <a:gd name="connsiteY4" fmla="*/ 413657 h 709480"/>
+                      <a:gd name="connsiteX0" fmla="*/ 0 w 5029200"/>
+                      <a:gd name="connsiteY0" fmla="*/ 0 h 717457"/>
+                      <a:gd name="connsiteX1" fmla="*/ 1295400 w 5029200"/>
+                      <a:gd name="connsiteY1" fmla="*/ 653143 h 717457"/>
+                      <a:gd name="connsiteX2" fmla="*/ 3069772 w 5029200"/>
+                      <a:gd name="connsiteY2" fmla="*/ 674914 h 717457"/>
+                      <a:gd name="connsiteX3" fmla="*/ 3962400 w 5029200"/>
+                      <a:gd name="connsiteY3" fmla="*/ 664029 h 717457"/>
+                      <a:gd name="connsiteX4" fmla="*/ 5029200 w 5029200"/>
+                      <a:gd name="connsiteY4" fmla="*/ 0 h 717457"/>
+                    </a:gdLst>
+                    <a:ahLst/>
+                    <a:cxnLst>
+                      <a:cxn ang="0">
+                        <a:pos x="connsiteX0" y="connsiteY0"/>
+                      </a:cxn>
+                      <a:cxn ang="0">
+                        <a:pos x="connsiteX1" y="connsiteY1"/>
+                      </a:cxn>
+                      <a:cxn ang="0">
+                        <a:pos x="connsiteX2" y="connsiteY2"/>
+                      </a:cxn>
+                      <a:cxn ang="0">
+                        <a:pos x="connsiteX3" y="connsiteY3"/>
+                      </a:cxn>
+                      <a:cxn ang="0">
+                        <a:pos x="connsiteX4" y="connsiteY4"/>
+                      </a:cxn>
+                    </a:cxnLst>
+                    <a:rect l="l" t="t" r="r" b="b"/>
+                    <a:pathLst>
+                      <a:path w="5029200" h="717457">
+                        <a:moveTo>
+                          <a:pt x="0" y="0"/>
+                        </a:moveTo>
+                        <a:cubicBezTo>
+                          <a:pt x="423635" y="107043"/>
+                          <a:pt x="783771" y="540657"/>
+                          <a:pt x="1295400" y="653143"/>
+                        </a:cubicBezTo>
+                        <a:cubicBezTo>
+                          <a:pt x="1807029" y="765629"/>
+                          <a:pt x="3069772" y="674914"/>
+                          <a:pt x="3069772" y="674914"/>
+                        </a:cubicBezTo>
+                        <a:cubicBezTo>
+                          <a:pt x="3514272" y="676728"/>
+                          <a:pt x="3635829" y="776515"/>
+                          <a:pt x="3962400" y="664029"/>
+                        </a:cubicBezTo>
+                        <a:cubicBezTo>
+                          <a:pt x="4288971" y="551543"/>
+                          <a:pt x="4815114" y="43543"/>
+                          <a:pt x="5029200" y="0"/>
+                        </a:cubicBezTo>
+                      </a:path>
+                    </a:pathLst>
+                  </a:custGeom>
+                  <a:noFill/>
+                  <a:ln w="12700">
+                    <a:solidFill>
+                      <a:schemeClr val="tx1"/>
+                    </a:solidFill>
+                  </a:ln>
+                </p:spPr>
+                <p:style>
+                  <a:lnRef idx="2">
+                    <a:schemeClr val="accent1">
+                      <a:shade val="50000"/>
+                    </a:schemeClr>
+                  </a:lnRef>
+                  <a:fillRef idx="1">
+                    <a:schemeClr val="accent1"/>
+                  </a:fillRef>
+                  <a:effectRef idx="0">
+                    <a:schemeClr val="accent1"/>
+                  </a:effectRef>
+                  <a:fontRef idx="minor">
+                    <a:schemeClr val="lt1"/>
+                  </a:fontRef>
+                </p:style>
+                <p:txBody>
+                  <a:bodyPr rtlCol="0" anchor="ctr"/>
+                  <a:lstStyle/>
+                  <a:p>
+                    <a:pPr algn="ctr"/>
+                    <a:endParaRPr lang="en-US"/>
+                  </a:p>
+                </p:txBody>
+              </p:sp>
+            </p:grpSp>
+            <p:cxnSp>
+              <p:nvCxnSpPr>
+                <p:cNvPr id="89" name="Straight Arrow Connector 88"/>
+                <p:cNvCxnSpPr/>
+                <p:nvPr/>
+              </p:nvCxnSpPr>
+              <p:spPr>
+                <a:xfrm flipH="1">
+                  <a:off x="5681949" y="1596156"/>
+                  <a:ext cx="479365" cy="0"/>
+                </a:xfrm>
+                <a:prstGeom prst="straightConnector1">
+                  <a:avLst/>
+                </a:prstGeom>
+                <a:ln w="38100">
+                  <a:solidFill>
+                    <a:schemeClr val="tx1"/>
+                  </a:solidFill>
+                  <a:tailEnd type="triangle"/>
+                </a:ln>
+              </p:spPr>
+              <p:style>
+                <a:lnRef idx="1">
+                  <a:schemeClr val="accent1"/>
+                </a:lnRef>
+                <a:fillRef idx="0">
+                  <a:schemeClr val="accent1"/>
+                </a:fillRef>
+                <a:effectRef idx="0">
+                  <a:schemeClr val="accent1"/>
+                </a:effectRef>
+                <a:fontRef idx="minor">
+                  <a:schemeClr val="tx1"/>
+                </a:fontRef>
+              </p:style>
+            </p:cxnSp>
+            <p:grpSp>
+              <p:nvGrpSpPr>
+                <p:cNvPr id="90" name="Group 89"/>
+                <p:cNvGrpSpPr/>
+                <p:nvPr/>
+              </p:nvGrpSpPr>
+              <p:grpSpPr>
+                <a:xfrm rot="1564854">
+                  <a:off x="5775039" y="1002374"/>
+                  <a:ext cx="226739" cy="132896"/>
+                  <a:chOff x="7913914" y="2917371"/>
+                  <a:chExt cx="609600" cy="805543"/>
+                </a:xfrm>
+              </p:grpSpPr>
+              <p:cxnSp>
+                <p:nvCxnSpPr>
+                  <p:cNvPr id="103" name="Straight Connector 102"/>
+                  <p:cNvCxnSpPr/>
+                  <p:nvPr/>
+                </p:nvCxnSpPr>
+                <p:spPr>
+                  <a:xfrm flipH="1">
+                    <a:off x="7913914" y="2917371"/>
+                    <a:ext cx="609600" cy="468086"/>
+                  </a:xfrm>
+                  <a:prstGeom prst="line">
+                    <a:avLst/>
+                  </a:prstGeom>
+                  <a:ln w="12700">
+                    <a:solidFill>
+                      <a:schemeClr val="tx1"/>
+                    </a:solidFill>
+                  </a:ln>
+                </p:spPr>
+                <p:style>
+                  <a:lnRef idx="1">
+                    <a:schemeClr val="accent1"/>
+                  </a:lnRef>
+                  <a:fillRef idx="0">
+                    <a:schemeClr val="accent1"/>
+                  </a:fillRef>
+                  <a:effectRef idx="0">
+                    <a:schemeClr val="accent1"/>
+                  </a:effectRef>
+                  <a:fontRef idx="minor">
+                    <a:schemeClr val="tx1"/>
+                  </a:fontRef>
+                </p:style>
+              </p:cxnSp>
+              <p:cxnSp>
+                <p:nvCxnSpPr>
+                  <p:cNvPr id="104" name="Straight Connector 103"/>
+                  <p:cNvCxnSpPr/>
+                  <p:nvPr/>
+                </p:nvCxnSpPr>
+                <p:spPr>
+                  <a:xfrm flipH="1" flipV="1">
+                    <a:off x="7913914" y="3385457"/>
+                    <a:ext cx="609600" cy="337457"/>
+                  </a:xfrm>
+                  <a:prstGeom prst="line">
+                    <a:avLst/>
+                  </a:prstGeom>
+                  <a:ln w="12700">
+                    <a:solidFill>
+                      <a:schemeClr val="tx1"/>
+                    </a:solidFill>
+                  </a:ln>
+                </p:spPr>
+                <p:style>
+                  <a:lnRef idx="1">
+                    <a:schemeClr val="accent1"/>
+                  </a:lnRef>
+                  <a:fillRef idx="0">
+                    <a:schemeClr val="accent1"/>
+                  </a:fillRef>
+                  <a:effectRef idx="0">
+                    <a:schemeClr val="accent1"/>
+                  </a:effectRef>
+                  <a:fontRef idx="minor">
+                    <a:schemeClr val="tx1"/>
+                  </a:fontRef>
+                </p:style>
+              </p:cxnSp>
+            </p:grpSp>
+            <p:grpSp>
+              <p:nvGrpSpPr>
+                <p:cNvPr id="91" name="Group 90"/>
+                <p:cNvGrpSpPr/>
+                <p:nvPr/>
+              </p:nvGrpSpPr>
+              <p:grpSpPr>
+                <a:xfrm rot="613620">
+                  <a:off x="5748762" y="1269517"/>
+                  <a:ext cx="226739" cy="132896"/>
+                  <a:chOff x="7913914" y="2917371"/>
+                  <a:chExt cx="609600" cy="805543"/>
+                </a:xfrm>
+              </p:grpSpPr>
+              <p:cxnSp>
+                <p:nvCxnSpPr>
+                  <p:cNvPr id="101" name="Straight Connector 100"/>
+                  <p:cNvCxnSpPr/>
+                  <p:nvPr/>
+                </p:nvCxnSpPr>
+                <p:spPr>
+                  <a:xfrm flipH="1">
+                    <a:off x="7913914" y="2917371"/>
+                    <a:ext cx="609600" cy="468086"/>
+                  </a:xfrm>
+                  <a:prstGeom prst="line">
+                    <a:avLst/>
+                  </a:prstGeom>
+                  <a:ln w="12700">
+                    <a:solidFill>
+                      <a:schemeClr val="tx1"/>
+                    </a:solidFill>
+                  </a:ln>
+                </p:spPr>
+                <p:style>
+                  <a:lnRef idx="1">
+                    <a:schemeClr val="accent1"/>
+                  </a:lnRef>
+                  <a:fillRef idx="0">
+                    <a:schemeClr val="accent1"/>
+                  </a:fillRef>
+                  <a:effectRef idx="0">
+                    <a:schemeClr val="accent1"/>
+                  </a:effectRef>
+                  <a:fontRef idx="minor">
+                    <a:schemeClr val="tx1"/>
+                  </a:fontRef>
+                </p:style>
+              </p:cxnSp>
+              <p:cxnSp>
+                <p:nvCxnSpPr>
+                  <p:cNvPr id="102" name="Straight Connector 101"/>
+                  <p:cNvCxnSpPr/>
+                  <p:nvPr/>
+                </p:nvCxnSpPr>
+                <p:spPr>
+                  <a:xfrm flipH="1" flipV="1">
+                    <a:off x="7913914" y="3385457"/>
+                    <a:ext cx="609600" cy="337457"/>
+                  </a:xfrm>
+                  <a:prstGeom prst="line">
+                    <a:avLst/>
+                  </a:prstGeom>
+                  <a:ln w="12700">
+                    <a:solidFill>
+                      <a:schemeClr val="tx1"/>
+                    </a:solidFill>
+                  </a:ln>
+                </p:spPr>
+                <p:style>
+                  <a:lnRef idx="1">
+                    <a:schemeClr val="accent1"/>
+                  </a:lnRef>
+                  <a:fillRef idx="0">
+                    <a:schemeClr val="accent1"/>
+                  </a:fillRef>
+                  <a:effectRef idx="0">
+                    <a:schemeClr val="accent1"/>
+                  </a:effectRef>
+                  <a:fontRef idx="minor">
+                    <a:schemeClr val="tx1"/>
+                  </a:fontRef>
+                </p:style>
+              </p:cxnSp>
+            </p:grpSp>
+            <p:grpSp>
+              <p:nvGrpSpPr>
+                <p:cNvPr id="92" name="Group 91"/>
+                <p:cNvGrpSpPr/>
+                <p:nvPr/>
+              </p:nvGrpSpPr>
+              <p:grpSpPr>
+                <a:xfrm>
+                  <a:off x="5368677" y="1542876"/>
+                  <a:ext cx="226739" cy="132896"/>
+                  <a:chOff x="7913914" y="2917371"/>
+                  <a:chExt cx="609600" cy="805543"/>
+                </a:xfrm>
+              </p:grpSpPr>
+              <p:cxnSp>
+                <p:nvCxnSpPr>
+                  <p:cNvPr id="99" name="Straight Connector 98"/>
+                  <p:cNvCxnSpPr/>
+                  <p:nvPr/>
+                </p:nvCxnSpPr>
+                <p:spPr>
+                  <a:xfrm flipH="1">
+                    <a:off x="7913914" y="2917371"/>
+                    <a:ext cx="609600" cy="468086"/>
+                  </a:xfrm>
+                  <a:prstGeom prst="line">
+                    <a:avLst/>
+                  </a:prstGeom>
+                  <a:ln w="12700">
+                    <a:solidFill>
+                      <a:schemeClr val="tx1"/>
+                    </a:solidFill>
+                  </a:ln>
+                </p:spPr>
+                <p:style>
+                  <a:lnRef idx="1">
+                    <a:schemeClr val="accent1"/>
+                  </a:lnRef>
+                  <a:fillRef idx="0">
+                    <a:schemeClr val="accent1"/>
+                  </a:fillRef>
+                  <a:effectRef idx="0">
+                    <a:schemeClr val="accent1"/>
+                  </a:effectRef>
+                  <a:fontRef idx="minor">
+                    <a:schemeClr val="tx1"/>
+                  </a:fontRef>
+                </p:style>
+              </p:cxnSp>
+              <p:cxnSp>
+                <p:nvCxnSpPr>
+                  <p:cNvPr id="100" name="Straight Connector 99"/>
+                  <p:cNvCxnSpPr/>
+                  <p:nvPr/>
+                </p:nvCxnSpPr>
+                <p:spPr>
+                  <a:xfrm flipH="1" flipV="1">
+                    <a:off x="7913914" y="3385457"/>
+                    <a:ext cx="609600" cy="337457"/>
+                  </a:xfrm>
+                  <a:prstGeom prst="line">
+                    <a:avLst/>
+                  </a:prstGeom>
+                  <a:ln w="12700">
+                    <a:solidFill>
+                      <a:schemeClr val="tx1"/>
+                    </a:solidFill>
+                  </a:ln>
+                </p:spPr>
+                <p:style>
+                  <a:lnRef idx="1">
+                    <a:schemeClr val="accent1"/>
+                  </a:lnRef>
+                  <a:fillRef idx="0">
+                    <a:schemeClr val="accent1"/>
+                  </a:fillRef>
+                  <a:effectRef idx="0">
+                    <a:schemeClr val="accent1"/>
+                  </a:effectRef>
+                  <a:fontRef idx="minor">
+                    <a:schemeClr val="tx1"/>
+                  </a:fontRef>
+                </p:style>
+              </p:cxnSp>
+            </p:grpSp>
+            <p:grpSp>
+              <p:nvGrpSpPr>
+                <p:cNvPr id="93" name="Group 92"/>
+                <p:cNvGrpSpPr/>
+                <p:nvPr/>
+              </p:nvGrpSpPr>
+              <p:grpSpPr>
+                <a:xfrm rot="20772040">
+                  <a:off x="5769004" y="1736409"/>
+                  <a:ext cx="226739" cy="132896"/>
+                  <a:chOff x="7913914" y="2917371"/>
+                  <a:chExt cx="609600" cy="805543"/>
+                </a:xfrm>
+              </p:grpSpPr>
+              <p:cxnSp>
+                <p:nvCxnSpPr>
+                  <p:cNvPr id="97" name="Straight Connector 96"/>
+                  <p:cNvCxnSpPr/>
+                  <p:nvPr/>
+                </p:nvCxnSpPr>
+                <p:spPr>
+                  <a:xfrm flipH="1">
+                    <a:off x="7913914" y="2917371"/>
+                    <a:ext cx="609600" cy="468086"/>
+                  </a:xfrm>
+                  <a:prstGeom prst="line">
+                    <a:avLst/>
+                  </a:prstGeom>
+                  <a:ln w="12700">
+                    <a:solidFill>
+                      <a:schemeClr val="tx1"/>
+                    </a:solidFill>
+                  </a:ln>
+                </p:spPr>
+                <p:style>
+                  <a:lnRef idx="1">
+                    <a:schemeClr val="accent1"/>
+                  </a:lnRef>
+                  <a:fillRef idx="0">
+                    <a:schemeClr val="accent1"/>
+                  </a:fillRef>
+                  <a:effectRef idx="0">
+                    <a:schemeClr val="accent1"/>
+                  </a:effectRef>
+                  <a:fontRef idx="minor">
+                    <a:schemeClr val="tx1"/>
+                  </a:fontRef>
+                </p:style>
+              </p:cxnSp>
+              <p:cxnSp>
+                <p:nvCxnSpPr>
+                  <p:cNvPr id="98" name="Straight Connector 97"/>
+                  <p:cNvCxnSpPr/>
+                  <p:nvPr/>
+                </p:nvCxnSpPr>
+                <p:spPr>
+                  <a:xfrm flipH="1" flipV="1">
+                    <a:off x="7913914" y="3385457"/>
+                    <a:ext cx="609600" cy="337457"/>
+                  </a:xfrm>
+                  <a:prstGeom prst="line">
+                    <a:avLst/>
+                  </a:prstGeom>
+                  <a:ln w="12700">
+                    <a:solidFill>
+                      <a:schemeClr val="tx1"/>
+                    </a:solidFill>
+                  </a:ln>
+                </p:spPr>
+                <p:style>
+                  <a:lnRef idx="1">
+                    <a:schemeClr val="accent1"/>
+                  </a:lnRef>
+                  <a:fillRef idx="0">
+                    <a:schemeClr val="accent1"/>
+                  </a:fillRef>
+                  <a:effectRef idx="0">
+                    <a:schemeClr val="accent1"/>
+                  </a:effectRef>
+                  <a:fontRef idx="minor">
+                    <a:schemeClr val="tx1"/>
+                  </a:fontRef>
+                </p:style>
+              </p:cxnSp>
+            </p:grpSp>
+            <p:grpSp>
+              <p:nvGrpSpPr>
+                <p:cNvPr id="94" name="Group 93"/>
+                <p:cNvGrpSpPr/>
+                <p:nvPr/>
+              </p:nvGrpSpPr>
+              <p:grpSpPr>
+                <a:xfrm rot="19338728">
+                  <a:off x="5856038" y="1956780"/>
+                  <a:ext cx="226739" cy="132896"/>
+                  <a:chOff x="7913914" y="2917371"/>
+                  <a:chExt cx="609600" cy="805543"/>
+                </a:xfrm>
+              </p:grpSpPr>
+              <p:cxnSp>
+                <p:nvCxnSpPr>
+                  <p:cNvPr id="95" name="Straight Connector 94"/>
+                  <p:cNvCxnSpPr/>
+                  <p:nvPr/>
+                </p:nvCxnSpPr>
+                <p:spPr>
+                  <a:xfrm flipH="1">
+                    <a:off x="7913914" y="2917371"/>
+                    <a:ext cx="609600" cy="468086"/>
+                  </a:xfrm>
+                  <a:prstGeom prst="line">
+                    <a:avLst/>
+                  </a:prstGeom>
+                  <a:ln w="12700">
+                    <a:solidFill>
+                      <a:schemeClr val="tx1"/>
+                    </a:solidFill>
+                  </a:ln>
+                </p:spPr>
+                <p:style>
+                  <a:lnRef idx="1">
+                    <a:schemeClr val="accent1"/>
+                  </a:lnRef>
+                  <a:fillRef idx="0">
+                    <a:schemeClr val="accent1"/>
+                  </a:fillRef>
+                  <a:effectRef idx="0">
+                    <a:schemeClr val="accent1"/>
+                  </a:effectRef>
+                  <a:fontRef idx="minor">
+                    <a:schemeClr val="tx1"/>
+                  </a:fontRef>
+                </p:style>
+              </p:cxnSp>
+              <p:cxnSp>
+                <p:nvCxnSpPr>
+                  <p:cNvPr id="96" name="Straight Connector 95"/>
+                  <p:cNvCxnSpPr/>
+                  <p:nvPr/>
+                </p:nvCxnSpPr>
+                <p:spPr>
+                  <a:xfrm flipH="1" flipV="1">
+                    <a:off x="7913914" y="3385457"/>
+                    <a:ext cx="609600" cy="337457"/>
+                  </a:xfrm>
+                  <a:prstGeom prst="line">
+                    <a:avLst/>
+                  </a:prstGeom>
+                  <a:ln w="12700">
+                    <a:solidFill>
+                      <a:schemeClr val="tx1"/>
+                    </a:solidFill>
+                  </a:ln>
+                </p:spPr>
+                <p:style>
+                  <a:lnRef idx="1">
+                    <a:schemeClr val="accent1"/>
+                  </a:lnRef>
+                  <a:fillRef idx="0">
+                    <a:schemeClr val="accent1"/>
+                  </a:fillRef>
+                  <a:effectRef idx="0">
+                    <a:schemeClr val="accent1"/>
+                  </a:effectRef>
+                  <a:fontRef idx="minor">
+                    <a:schemeClr val="tx1"/>
+                  </a:fontRef>
+                </p:style>
+              </p:cxnSp>
+            </p:grpSp>
+          </p:grpSp>
+        </p:grpSp>
+        <p:grpSp>
+          <p:nvGrpSpPr>
+            <p:cNvPr id="117" name="Group 116"/>
+            <p:cNvGrpSpPr/>
+            <p:nvPr/>
+          </p:nvGrpSpPr>
+          <p:grpSpPr>
+            <a:xfrm rot="7936533">
+              <a:off x="4176253" y="3929014"/>
+              <a:ext cx="472792" cy="235211"/>
+              <a:chOff x="3962405" y="3794372"/>
+              <a:chExt cx="267363" cy="119032"/>
+            </a:xfrm>
+          </p:grpSpPr>
+          <p:cxnSp>
+            <p:nvCxnSpPr>
+              <p:cNvPr id="115" name="Straight Connector 114"/>
+              <p:cNvCxnSpPr/>
+              <p:nvPr/>
+            </p:nvCxnSpPr>
+            <p:spPr>
+              <a:xfrm rot="19338728" flipH="1">
+                <a:off x="3962405" y="3794372"/>
+                <a:ext cx="226739" cy="77223"/>
+              </a:xfrm>
+              <a:prstGeom prst="line">
+                <a:avLst/>
+              </a:prstGeom>
+              <a:ln w="28575">
+                <a:solidFill>
+                  <a:schemeClr val="tx1"/>
+                </a:solidFill>
+              </a:ln>
+            </p:spPr>
+            <p:style>
+              <a:lnRef idx="1">
+                <a:schemeClr val="accent1"/>
+              </a:lnRef>
+              <a:fillRef idx="0">
+                <a:schemeClr val="accent1"/>
+              </a:fillRef>
+              <a:effectRef idx="0">
+                <a:schemeClr val="accent1"/>
+              </a:effectRef>
+              <a:fontRef idx="minor">
+                <a:schemeClr val="tx1"/>
+              </a:fontRef>
+            </p:style>
+          </p:cxnSp>
+          <p:cxnSp>
+            <p:nvCxnSpPr>
+              <p:cNvPr id="116" name="Straight Connector 115"/>
+              <p:cNvCxnSpPr/>
+              <p:nvPr/>
+            </p:nvCxnSpPr>
+            <p:spPr>
+              <a:xfrm rot="19338728" flipH="1" flipV="1">
+                <a:off x="4003029" y="3857731"/>
+                <a:ext cx="226739" cy="55673"/>
+              </a:xfrm>
+              <a:prstGeom prst="line">
+                <a:avLst/>
+              </a:prstGeom>
+              <a:ln w="28575">
+                <a:solidFill>
+                  <a:schemeClr val="tx1"/>
+                </a:solidFill>
+              </a:ln>
+            </p:spPr>
+            <p:style>
+              <a:lnRef idx="1">
+                <a:schemeClr val="accent1"/>
+              </a:lnRef>
+              <a:fillRef idx="0">
+                <a:schemeClr val="accent1"/>
+              </a:fillRef>
+              <a:effectRef idx="0">
+                <a:schemeClr val="accent1"/>
+              </a:effectRef>
+              <a:fontRef idx="minor">
+                <a:schemeClr val="tx1"/>
+              </a:fontRef>
+            </p:style>
+          </p:cxnSp>
+        </p:grpSp>
+      </p:grpSp>
     </p:spTree>
     <p:extLst>
       <p:ext uri="{BB962C8B-B14F-4D97-AF65-F5344CB8AC3E}">
